--- a/Nov28_presentation.pptx
+++ b/Nov28_presentation.pptx
@@ -6,6 +6,13 @@
   </p:sldMasterIdLst>
   <p:sldIdLst>
     <p:sldId id="256" r:id="rId2"/>
+    <p:sldId id="257" r:id="rId3"/>
+    <p:sldId id="258" r:id="rId4"/>
+    <p:sldId id="259" r:id="rId5"/>
+    <p:sldId id="260" r:id="rId6"/>
+    <p:sldId id="261" r:id="rId7"/>
+    <p:sldId id="262" r:id="rId8"/>
+    <p:sldId id="263" r:id="rId9"/>
   </p:sldIdLst>
   <p:sldSz cx="12192000" cy="6858000"/>
   <p:notesSz cx="6858000" cy="9144000"/>
@@ -104,6 +111,11 @@
       </a:defRPr>
     </a:lvl9pPr>
   </p:defaultTextStyle>
+  <p:extLst>
+    <p:ext uri="{EFAFB233-063F-42B5-8137-9DF3F51BA10A}">
+      <p15:sldGuideLst xmlns:p15="http://schemas.microsoft.com/office/powerpoint/2012/main"/>
+    </p:ext>
+  </p:extLst>
 </p:presentation>
 </file>
 
@@ -254,7 +266,7 @@
           <a:p>
             <a:fld id="{07B83E35-4987-C144-9EBD-391387538DE9}" type="datetimeFigureOut">
               <a:rPr lang="en-US" smtClean="0"/>
-              <a:t>11/16/24</a:t>
+              <a:t>11/19/24</a:t>
             </a:fld>
             <a:endParaRPr lang="en-US"/>
           </a:p>
@@ -452,7 +464,7 @@
           <a:p>
             <a:fld id="{07B83E35-4987-C144-9EBD-391387538DE9}" type="datetimeFigureOut">
               <a:rPr lang="en-US" smtClean="0"/>
-              <a:t>11/16/24</a:t>
+              <a:t>11/19/24</a:t>
             </a:fld>
             <a:endParaRPr lang="en-US"/>
           </a:p>
@@ -660,7 +672,7 @@
           <a:p>
             <a:fld id="{07B83E35-4987-C144-9EBD-391387538DE9}" type="datetimeFigureOut">
               <a:rPr lang="en-US" smtClean="0"/>
-              <a:t>11/16/24</a:t>
+              <a:t>11/19/24</a:t>
             </a:fld>
             <a:endParaRPr lang="en-US"/>
           </a:p>
@@ -858,7 +870,7 @@
           <a:p>
             <a:fld id="{07B83E35-4987-C144-9EBD-391387538DE9}" type="datetimeFigureOut">
               <a:rPr lang="en-US" smtClean="0"/>
-              <a:t>11/16/24</a:t>
+              <a:t>11/19/24</a:t>
             </a:fld>
             <a:endParaRPr lang="en-US"/>
           </a:p>
@@ -1133,7 +1145,7 @@
           <a:p>
             <a:fld id="{07B83E35-4987-C144-9EBD-391387538DE9}" type="datetimeFigureOut">
               <a:rPr lang="en-US" smtClean="0"/>
-              <a:t>11/16/24</a:t>
+              <a:t>11/19/24</a:t>
             </a:fld>
             <a:endParaRPr lang="en-US"/>
           </a:p>
@@ -1398,7 +1410,7 @@
           <a:p>
             <a:fld id="{07B83E35-4987-C144-9EBD-391387538DE9}" type="datetimeFigureOut">
               <a:rPr lang="en-US" smtClean="0"/>
-              <a:t>11/16/24</a:t>
+              <a:t>11/19/24</a:t>
             </a:fld>
             <a:endParaRPr lang="en-US"/>
           </a:p>
@@ -1810,7 +1822,7 @@
           <a:p>
             <a:fld id="{07B83E35-4987-C144-9EBD-391387538DE9}" type="datetimeFigureOut">
               <a:rPr lang="en-US" smtClean="0"/>
-              <a:t>11/16/24</a:t>
+              <a:t>11/19/24</a:t>
             </a:fld>
             <a:endParaRPr lang="en-US"/>
           </a:p>
@@ -1951,7 +1963,7 @@
           <a:p>
             <a:fld id="{07B83E35-4987-C144-9EBD-391387538DE9}" type="datetimeFigureOut">
               <a:rPr lang="en-US" smtClean="0"/>
-              <a:t>11/16/24</a:t>
+              <a:t>11/19/24</a:t>
             </a:fld>
             <a:endParaRPr lang="en-US"/>
           </a:p>
@@ -2064,7 +2076,7 @@
           <a:p>
             <a:fld id="{07B83E35-4987-C144-9EBD-391387538DE9}" type="datetimeFigureOut">
               <a:rPr lang="en-US" smtClean="0"/>
-              <a:t>11/16/24</a:t>
+              <a:t>11/19/24</a:t>
             </a:fld>
             <a:endParaRPr lang="en-US"/>
           </a:p>
@@ -2375,7 +2387,7 @@
           <a:p>
             <a:fld id="{07B83E35-4987-C144-9EBD-391387538DE9}" type="datetimeFigureOut">
               <a:rPr lang="en-US" smtClean="0"/>
-              <a:t>11/16/24</a:t>
+              <a:t>11/19/24</a:t>
             </a:fld>
             <a:endParaRPr lang="en-US"/>
           </a:p>
@@ -2663,7 +2675,7 @@
           <a:p>
             <a:fld id="{07B83E35-4987-C144-9EBD-391387538DE9}" type="datetimeFigureOut">
               <a:rPr lang="en-US" smtClean="0"/>
-              <a:t>11/16/24</a:t>
+              <a:t>11/19/24</a:t>
             </a:fld>
             <a:endParaRPr lang="en-US"/>
           </a:p>
@@ -2904,7 +2916,7 @@
           <a:p>
             <a:fld id="{07B83E35-4987-C144-9EBD-391387538DE9}" type="datetimeFigureOut">
               <a:rPr lang="en-US" smtClean="0"/>
-              <a:t>11/16/24</a:t>
+              <a:t>11/19/24</a:t>
             </a:fld>
             <a:endParaRPr lang="en-US"/>
           </a:p>
@@ -3392,6 +3404,665 @@
     <p:extLst>
       <p:ext uri="{BB962C8B-B14F-4D97-AF65-F5344CB8AC3E}">
         <p14:creationId xmlns:p14="http://schemas.microsoft.com/office/powerpoint/2010/main" val="110385148"/>
+      </p:ext>
+    </p:extLst>
+  </p:cSld>
+  <p:clrMapOvr>
+    <a:masterClrMapping/>
+  </p:clrMapOvr>
+</p:sld>
+</file>
+
+<file path=ppt/slides/slide2.xml><?xml version="1.0" encoding="utf-8"?>
+<p:sld xmlns:a="http://schemas.openxmlformats.org/drawingml/2006/main" xmlns:r="http://schemas.openxmlformats.org/officeDocument/2006/relationships" xmlns:p="http://schemas.openxmlformats.org/presentationml/2006/main">
+  <p:cSld>
+    <p:spTree>
+      <p:nvGrpSpPr>
+        <p:cNvPr id="1" name=""/>
+        <p:cNvGrpSpPr/>
+        <p:nvPr/>
+      </p:nvGrpSpPr>
+      <p:grpSpPr>
+        <a:xfrm>
+          <a:off x="0" y="0"/>
+          <a:ext cx="0" cy="0"/>
+          <a:chOff x="0" y="0"/>
+          <a:chExt cx="0" cy="0"/>
+        </a:xfrm>
+      </p:grpSpPr>
+      <p:sp>
+        <p:nvSpPr>
+          <p:cNvPr id="2" name="Title 1">
+            <a:extLst>
+              <a:ext uri="{FF2B5EF4-FFF2-40B4-BE49-F238E27FC236}">
+                <a16:creationId xmlns:a16="http://schemas.microsoft.com/office/drawing/2014/main" id="{06C8AE01-DDC8-84A5-6494-8D4FF17322D0}"/>
+              </a:ext>
+            </a:extLst>
+          </p:cNvPr>
+          <p:cNvSpPr>
+            <a:spLocks noGrp="1"/>
+          </p:cNvSpPr>
+          <p:nvPr>
+            <p:ph type="title"/>
+          </p:nvPr>
+        </p:nvSpPr>
+        <p:spPr/>
+        <p:txBody>
+          <a:bodyPr/>
+          <a:lstStyle/>
+          <a:p>
+            <a:r>
+              <a:rPr lang="en-US" dirty="0"/>
+              <a:t>Introduction </a:t>
+            </a:r>
+          </a:p>
+        </p:txBody>
+      </p:sp>
+      <p:sp>
+        <p:nvSpPr>
+          <p:cNvPr id="3" name="Content Placeholder 2">
+            <a:extLst>
+              <a:ext uri="{FF2B5EF4-FFF2-40B4-BE49-F238E27FC236}">
+                <a16:creationId xmlns:a16="http://schemas.microsoft.com/office/drawing/2014/main" id="{B9984B49-A392-0F44-8819-7AE9634EA0A7}"/>
+              </a:ext>
+            </a:extLst>
+          </p:cNvPr>
+          <p:cNvSpPr>
+            <a:spLocks noGrp="1"/>
+          </p:cNvSpPr>
+          <p:nvPr>
+            <p:ph idx="1"/>
+          </p:nvPr>
+        </p:nvSpPr>
+        <p:spPr/>
+        <p:txBody>
+          <a:bodyPr/>
+          <a:lstStyle/>
+          <a:p>
+            <a:r>
+              <a:rPr lang="en-US" dirty="0"/>
+              <a:t>Bitcoin and cryptocurrency is being rapidly adopting.</a:t>
+            </a:r>
+          </a:p>
+          <a:p>
+            <a:r>
+              <a:rPr lang="en-US" dirty="0"/>
+              <a:t>With that, criminal activity using the network is also increasing.</a:t>
+            </a:r>
+          </a:p>
+          <a:p>
+            <a:r>
+              <a:rPr lang="en-US" dirty="0"/>
+              <a:t>Bitcoin helps provide financial services that poor individuals do not have access – many more things bitcoin does</a:t>
+            </a:r>
+          </a:p>
+          <a:p>
+            <a:r>
+              <a:rPr lang="en-US" dirty="0"/>
+              <a:t>To keep bitcoin available is important </a:t>
+            </a:r>
+          </a:p>
+          <a:p>
+            <a:r>
+              <a:rPr lang="en-US" dirty="0"/>
+              <a:t>Can harness the public availability of the open ledger to improve AML efforts</a:t>
+            </a:r>
+          </a:p>
+        </p:txBody>
+      </p:sp>
+    </p:spTree>
+    <p:extLst>
+      <p:ext uri="{BB962C8B-B14F-4D97-AF65-F5344CB8AC3E}">
+        <p14:creationId xmlns:p14="http://schemas.microsoft.com/office/powerpoint/2010/main" val="1319560331"/>
+      </p:ext>
+    </p:extLst>
+  </p:cSld>
+  <p:clrMapOvr>
+    <a:masterClrMapping/>
+  </p:clrMapOvr>
+</p:sld>
+</file>
+
+<file path=ppt/slides/slide3.xml><?xml version="1.0" encoding="utf-8"?>
+<p:sld xmlns:a="http://schemas.openxmlformats.org/drawingml/2006/main" xmlns:r="http://schemas.openxmlformats.org/officeDocument/2006/relationships" xmlns:p="http://schemas.openxmlformats.org/presentationml/2006/main">
+  <p:cSld>
+    <p:spTree>
+      <p:nvGrpSpPr>
+        <p:cNvPr id="1" name=""/>
+        <p:cNvGrpSpPr/>
+        <p:nvPr/>
+      </p:nvGrpSpPr>
+      <p:grpSpPr>
+        <a:xfrm>
+          <a:off x="0" y="0"/>
+          <a:ext cx="0" cy="0"/>
+          <a:chOff x="0" y="0"/>
+          <a:chExt cx="0" cy="0"/>
+        </a:xfrm>
+      </p:grpSpPr>
+      <p:sp>
+        <p:nvSpPr>
+          <p:cNvPr id="2" name="Title 1">
+            <a:extLst>
+              <a:ext uri="{FF2B5EF4-FFF2-40B4-BE49-F238E27FC236}">
+                <a16:creationId xmlns:a16="http://schemas.microsoft.com/office/drawing/2014/main" id="{D1C6771C-99F5-0750-0292-B01B22A7B1D2}"/>
+              </a:ext>
+            </a:extLst>
+          </p:cNvPr>
+          <p:cNvSpPr>
+            <a:spLocks noGrp="1"/>
+          </p:cNvSpPr>
+          <p:nvPr>
+            <p:ph type="title"/>
+          </p:nvPr>
+        </p:nvSpPr>
+        <p:spPr/>
+        <p:txBody>
+          <a:bodyPr/>
+          <a:lstStyle/>
+          <a:p>
+            <a:r>
+              <a:rPr lang="en-US" dirty="0"/>
+              <a:t>Our Group Contributions</a:t>
+            </a:r>
+          </a:p>
+        </p:txBody>
+      </p:sp>
+      <p:sp>
+        <p:nvSpPr>
+          <p:cNvPr id="3" name="Content Placeholder 2">
+            <a:extLst>
+              <a:ext uri="{FF2B5EF4-FFF2-40B4-BE49-F238E27FC236}">
+                <a16:creationId xmlns:a16="http://schemas.microsoft.com/office/drawing/2014/main" id="{8E1FEE4B-E509-AC1C-BCEB-A0960DCB87C8}"/>
+              </a:ext>
+            </a:extLst>
+          </p:cNvPr>
+          <p:cNvSpPr>
+            <a:spLocks noGrp="1"/>
+          </p:cNvSpPr>
+          <p:nvPr>
+            <p:ph idx="1"/>
+          </p:nvPr>
+        </p:nvSpPr>
+        <p:spPr/>
+        <p:txBody>
+          <a:bodyPr/>
+          <a:lstStyle/>
+          <a:p>
+            <a:endParaRPr lang="en-US" dirty="0"/>
+          </a:p>
+        </p:txBody>
+      </p:sp>
+    </p:spTree>
+    <p:extLst>
+      <p:ext uri="{BB962C8B-B14F-4D97-AF65-F5344CB8AC3E}">
+        <p14:creationId xmlns:p14="http://schemas.microsoft.com/office/powerpoint/2010/main" val="1302980522"/>
+      </p:ext>
+    </p:extLst>
+  </p:cSld>
+  <p:clrMapOvr>
+    <a:masterClrMapping/>
+  </p:clrMapOvr>
+</p:sld>
+</file>
+
+<file path=ppt/slides/slide4.xml><?xml version="1.0" encoding="utf-8"?>
+<p:sld xmlns:a="http://schemas.openxmlformats.org/drawingml/2006/main" xmlns:r="http://schemas.openxmlformats.org/officeDocument/2006/relationships" xmlns:p="http://schemas.openxmlformats.org/presentationml/2006/main">
+  <p:cSld>
+    <p:spTree>
+      <p:nvGrpSpPr>
+        <p:cNvPr id="1" name=""/>
+        <p:cNvGrpSpPr/>
+        <p:nvPr/>
+      </p:nvGrpSpPr>
+      <p:grpSpPr>
+        <a:xfrm>
+          <a:off x="0" y="0"/>
+          <a:ext cx="0" cy="0"/>
+          <a:chOff x="0" y="0"/>
+          <a:chExt cx="0" cy="0"/>
+        </a:xfrm>
+      </p:grpSpPr>
+      <p:sp>
+        <p:nvSpPr>
+          <p:cNvPr id="2" name="Title 1">
+            <a:extLst>
+              <a:ext uri="{FF2B5EF4-FFF2-40B4-BE49-F238E27FC236}">
+                <a16:creationId xmlns:a16="http://schemas.microsoft.com/office/drawing/2014/main" id="{99DED637-A2AB-9843-478C-734BC105E29D}"/>
+              </a:ext>
+            </a:extLst>
+          </p:cNvPr>
+          <p:cNvSpPr>
+            <a:spLocks noGrp="1"/>
+          </p:cNvSpPr>
+          <p:nvPr>
+            <p:ph type="title"/>
+          </p:nvPr>
+        </p:nvSpPr>
+        <p:spPr/>
+        <p:txBody>
+          <a:bodyPr/>
+          <a:lstStyle/>
+          <a:p>
+            <a:r>
+              <a:rPr lang="en-US" dirty="0"/>
+              <a:t>Related Work</a:t>
+            </a:r>
+          </a:p>
+        </p:txBody>
+      </p:sp>
+      <p:sp>
+        <p:nvSpPr>
+          <p:cNvPr id="3" name="Content Placeholder 2">
+            <a:extLst>
+              <a:ext uri="{FF2B5EF4-FFF2-40B4-BE49-F238E27FC236}">
+                <a16:creationId xmlns:a16="http://schemas.microsoft.com/office/drawing/2014/main" id="{FDD194BA-8E0B-69AB-11DD-344E9AC3514D}"/>
+              </a:ext>
+            </a:extLst>
+          </p:cNvPr>
+          <p:cNvSpPr>
+            <a:spLocks noGrp="1"/>
+          </p:cNvSpPr>
+          <p:nvPr>
+            <p:ph idx="1"/>
+          </p:nvPr>
+        </p:nvSpPr>
+        <p:spPr/>
+        <p:txBody>
+          <a:bodyPr>
+            <a:normAutofit fontScale="85000" lnSpcReduction="10000"/>
+          </a:bodyPr>
+          <a:lstStyle/>
+          <a:p>
+            <a:r>
+              <a:rPr lang="en-CA" dirty="0"/>
+              <a:t>Anti-Money Laundering in Bitcoin: Experimenting with Graph Convolutional Networks for Financial Forensics</a:t>
+            </a:r>
+          </a:p>
+          <a:p>
+            <a:r>
+              <a:rPr lang="en-CA" dirty="0"/>
+              <a:t>Introduced the Elliptic Dataset (Elliptic is a cryptocurrency intelligence company focused on removing and identifying criminal activity in the </a:t>
+            </a:r>
+            <a:r>
+              <a:rPr lang="en-CA" dirty="0" err="1"/>
+              <a:t>cyrpto</a:t>
+            </a:r>
+            <a:r>
+              <a:rPr lang="en-CA" dirty="0"/>
+              <a:t> ecosystem.</a:t>
+            </a:r>
+          </a:p>
+          <a:p>
+            <a:r>
+              <a:rPr lang="en-CA" dirty="0"/>
+              <a:t>Data is a graph: Node =  Transactions, Edges = bitcoin flow</a:t>
+            </a:r>
+          </a:p>
+          <a:p>
+            <a:r>
+              <a:rPr lang="en-CA" dirty="0"/>
+              <a:t>Their task was to identify each unlabelled Bitcoin transaction as illicit or licit</a:t>
+            </a:r>
+          </a:p>
+          <a:p>
+            <a:r>
+              <a:rPr lang="en-CA" dirty="0"/>
+              <a:t>Used benchmark methods for anomaly detection: Random Forests, Logistic Regression. Then experimented with Graph convolutional Networks</a:t>
+            </a:r>
+          </a:p>
+          <a:p>
+            <a:r>
+              <a:rPr lang="en-CA" dirty="0"/>
+              <a:t>Limitation – classifying transactions, therefore does not specifically determine which address in the transaction is </a:t>
+            </a:r>
+            <a:r>
+              <a:rPr lang="en-CA"/>
+              <a:t>the elicit one</a:t>
+            </a:r>
+            <a:endParaRPr lang="en-US" dirty="0"/>
+          </a:p>
+        </p:txBody>
+      </p:sp>
+    </p:spTree>
+    <p:extLst>
+      <p:ext uri="{BB962C8B-B14F-4D97-AF65-F5344CB8AC3E}">
+        <p14:creationId xmlns:p14="http://schemas.microsoft.com/office/powerpoint/2010/main" val="2749761213"/>
+      </p:ext>
+    </p:extLst>
+  </p:cSld>
+  <p:clrMapOvr>
+    <a:masterClrMapping/>
+  </p:clrMapOvr>
+</p:sld>
+</file>
+
+<file path=ppt/slides/slide5.xml><?xml version="1.0" encoding="utf-8"?>
+<p:sld xmlns:a="http://schemas.openxmlformats.org/drawingml/2006/main" xmlns:r="http://schemas.openxmlformats.org/officeDocument/2006/relationships" xmlns:p="http://schemas.openxmlformats.org/presentationml/2006/main">
+  <p:cSld>
+    <p:spTree>
+      <p:nvGrpSpPr>
+        <p:cNvPr id="1" name=""/>
+        <p:cNvGrpSpPr/>
+        <p:nvPr/>
+      </p:nvGrpSpPr>
+      <p:grpSpPr>
+        <a:xfrm>
+          <a:off x="0" y="0"/>
+          <a:ext cx="0" cy="0"/>
+          <a:chOff x="0" y="0"/>
+          <a:chExt cx="0" cy="0"/>
+        </a:xfrm>
+      </p:grpSpPr>
+      <p:sp>
+        <p:nvSpPr>
+          <p:cNvPr id="2" name="Title 1">
+            <a:extLst>
+              <a:ext uri="{FF2B5EF4-FFF2-40B4-BE49-F238E27FC236}">
+                <a16:creationId xmlns:a16="http://schemas.microsoft.com/office/drawing/2014/main" id="{35CECB3B-4623-573C-2F09-AE2BC7CBFE9D}"/>
+              </a:ext>
+            </a:extLst>
+          </p:cNvPr>
+          <p:cNvSpPr>
+            <a:spLocks noGrp="1"/>
+          </p:cNvSpPr>
+          <p:nvPr>
+            <p:ph type="title"/>
+          </p:nvPr>
+        </p:nvSpPr>
+        <p:spPr/>
+        <p:txBody>
+          <a:bodyPr/>
+          <a:lstStyle/>
+          <a:p>
+            <a:r>
+              <a:rPr lang="en-US" dirty="0"/>
+              <a:t>Related Work Continued</a:t>
+            </a:r>
+          </a:p>
+        </p:txBody>
+      </p:sp>
+      <p:sp>
+        <p:nvSpPr>
+          <p:cNvPr id="3" name="Content Placeholder 2">
+            <a:extLst>
+              <a:ext uri="{FF2B5EF4-FFF2-40B4-BE49-F238E27FC236}">
+                <a16:creationId xmlns:a16="http://schemas.microsoft.com/office/drawing/2014/main" id="{1ED1AB1C-0ADA-4AC7-FA92-660EF8F8D4A8}"/>
+              </a:ext>
+            </a:extLst>
+          </p:cNvPr>
+          <p:cNvSpPr>
+            <a:spLocks noGrp="1"/>
+          </p:cNvSpPr>
+          <p:nvPr>
+            <p:ph idx="1"/>
+          </p:nvPr>
+        </p:nvSpPr>
+        <p:spPr/>
+        <p:txBody>
+          <a:bodyPr/>
+          <a:lstStyle/>
+          <a:p>
+            <a:endParaRPr lang="en-US" dirty="0"/>
+          </a:p>
+        </p:txBody>
+      </p:sp>
+    </p:spTree>
+    <p:extLst>
+      <p:ext uri="{BB962C8B-B14F-4D97-AF65-F5344CB8AC3E}">
+        <p14:creationId xmlns:p14="http://schemas.microsoft.com/office/powerpoint/2010/main" val="577761698"/>
+      </p:ext>
+    </p:extLst>
+  </p:cSld>
+  <p:clrMapOvr>
+    <a:masterClrMapping/>
+  </p:clrMapOvr>
+</p:sld>
+</file>
+
+<file path=ppt/slides/slide6.xml><?xml version="1.0" encoding="utf-8"?>
+<p:sld xmlns:a="http://schemas.openxmlformats.org/drawingml/2006/main" xmlns:r="http://schemas.openxmlformats.org/officeDocument/2006/relationships" xmlns:p="http://schemas.openxmlformats.org/presentationml/2006/main">
+  <p:cSld>
+    <p:spTree>
+      <p:nvGrpSpPr>
+        <p:cNvPr id="1" name=""/>
+        <p:cNvGrpSpPr/>
+        <p:nvPr/>
+      </p:nvGrpSpPr>
+      <p:grpSpPr>
+        <a:xfrm>
+          <a:off x="0" y="0"/>
+          <a:ext cx="0" cy="0"/>
+          <a:chOff x="0" y="0"/>
+          <a:chExt cx="0" cy="0"/>
+        </a:xfrm>
+      </p:grpSpPr>
+      <p:sp>
+        <p:nvSpPr>
+          <p:cNvPr id="2" name="Title 1">
+            <a:extLst>
+              <a:ext uri="{FF2B5EF4-FFF2-40B4-BE49-F238E27FC236}">
+                <a16:creationId xmlns:a16="http://schemas.microsoft.com/office/drawing/2014/main" id="{B26CB207-F10E-EB8E-D4CD-022D6979C40F}"/>
+              </a:ext>
+            </a:extLst>
+          </p:cNvPr>
+          <p:cNvSpPr>
+            <a:spLocks noGrp="1"/>
+          </p:cNvSpPr>
+          <p:nvPr>
+            <p:ph type="title"/>
+          </p:nvPr>
+        </p:nvSpPr>
+        <p:spPr/>
+        <p:txBody>
+          <a:bodyPr/>
+          <a:lstStyle/>
+          <a:p>
+            <a:r>
+              <a:rPr lang="en-US" dirty="0"/>
+              <a:t>Methodology</a:t>
+            </a:r>
+          </a:p>
+        </p:txBody>
+      </p:sp>
+      <p:sp>
+        <p:nvSpPr>
+          <p:cNvPr id="3" name="Content Placeholder 2">
+            <a:extLst>
+              <a:ext uri="{FF2B5EF4-FFF2-40B4-BE49-F238E27FC236}">
+                <a16:creationId xmlns:a16="http://schemas.microsoft.com/office/drawing/2014/main" id="{43D09597-800F-A90B-60FF-461A6CD67926}"/>
+              </a:ext>
+            </a:extLst>
+          </p:cNvPr>
+          <p:cNvSpPr>
+            <a:spLocks noGrp="1"/>
+          </p:cNvSpPr>
+          <p:nvPr>
+            <p:ph idx="1"/>
+          </p:nvPr>
+        </p:nvSpPr>
+        <p:spPr/>
+        <p:txBody>
+          <a:bodyPr/>
+          <a:lstStyle/>
+          <a:p>
+            <a:endParaRPr lang="en-US"/>
+          </a:p>
+        </p:txBody>
+      </p:sp>
+    </p:spTree>
+    <p:extLst>
+      <p:ext uri="{BB962C8B-B14F-4D97-AF65-F5344CB8AC3E}">
+        <p14:creationId xmlns:p14="http://schemas.microsoft.com/office/powerpoint/2010/main" val="3850029626"/>
+      </p:ext>
+    </p:extLst>
+  </p:cSld>
+  <p:clrMapOvr>
+    <a:masterClrMapping/>
+  </p:clrMapOvr>
+</p:sld>
+</file>
+
+<file path=ppt/slides/slide7.xml><?xml version="1.0" encoding="utf-8"?>
+<p:sld xmlns:a="http://schemas.openxmlformats.org/drawingml/2006/main" xmlns:r="http://schemas.openxmlformats.org/officeDocument/2006/relationships" xmlns:p="http://schemas.openxmlformats.org/presentationml/2006/main">
+  <p:cSld>
+    <p:spTree>
+      <p:nvGrpSpPr>
+        <p:cNvPr id="1" name=""/>
+        <p:cNvGrpSpPr/>
+        <p:nvPr/>
+      </p:nvGrpSpPr>
+      <p:grpSpPr>
+        <a:xfrm>
+          <a:off x="0" y="0"/>
+          <a:ext cx="0" cy="0"/>
+          <a:chOff x="0" y="0"/>
+          <a:chExt cx="0" cy="0"/>
+        </a:xfrm>
+      </p:grpSpPr>
+      <p:sp>
+        <p:nvSpPr>
+          <p:cNvPr id="2" name="Title 1">
+            <a:extLst>
+              <a:ext uri="{FF2B5EF4-FFF2-40B4-BE49-F238E27FC236}">
+                <a16:creationId xmlns:a16="http://schemas.microsoft.com/office/drawing/2014/main" id="{1EADBE7F-2BBD-5619-0D28-94B5B0DBA281}"/>
+              </a:ext>
+            </a:extLst>
+          </p:cNvPr>
+          <p:cNvSpPr>
+            <a:spLocks noGrp="1"/>
+          </p:cNvSpPr>
+          <p:nvPr>
+            <p:ph type="title"/>
+          </p:nvPr>
+        </p:nvSpPr>
+        <p:spPr/>
+        <p:txBody>
+          <a:bodyPr/>
+          <a:lstStyle/>
+          <a:p>
+            <a:r>
+              <a:rPr lang="en-US" dirty="0"/>
+              <a:t>Preliminary Results</a:t>
+            </a:r>
+          </a:p>
+        </p:txBody>
+      </p:sp>
+      <p:sp>
+        <p:nvSpPr>
+          <p:cNvPr id="3" name="Content Placeholder 2">
+            <a:extLst>
+              <a:ext uri="{FF2B5EF4-FFF2-40B4-BE49-F238E27FC236}">
+                <a16:creationId xmlns:a16="http://schemas.microsoft.com/office/drawing/2014/main" id="{D6033AF6-8C05-06FA-4591-19FE28365DB7}"/>
+              </a:ext>
+            </a:extLst>
+          </p:cNvPr>
+          <p:cNvSpPr>
+            <a:spLocks noGrp="1"/>
+          </p:cNvSpPr>
+          <p:nvPr>
+            <p:ph idx="1"/>
+          </p:nvPr>
+        </p:nvSpPr>
+        <p:spPr/>
+        <p:txBody>
+          <a:bodyPr/>
+          <a:lstStyle/>
+          <a:p>
+            <a:endParaRPr lang="en-US"/>
+          </a:p>
+        </p:txBody>
+      </p:sp>
+    </p:spTree>
+    <p:extLst>
+      <p:ext uri="{BB962C8B-B14F-4D97-AF65-F5344CB8AC3E}">
+        <p14:creationId xmlns:p14="http://schemas.microsoft.com/office/powerpoint/2010/main" val="1856578987"/>
+      </p:ext>
+    </p:extLst>
+  </p:cSld>
+  <p:clrMapOvr>
+    <a:masterClrMapping/>
+  </p:clrMapOvr>
+</p:sld>
+</file>
+
+<file path=ppt/slides/slide8.xml><?xml version="1.0" encoding="utf-8"?>
+<p:sld xmlns:a="http://schemas.openxmlformats.org/drawingml/2006/main" xmlns:r="http://schemas.openxmlformats.org/officeDocument/2006/relationships" xmlns:p="http://schemas.openxmlformats.org/presentationml/2006/main">
+  <p:cSld>
+    <p:spTree>
+      <p:nvGrpSpPr>
+        <p:cNvPr id="1" name=""/>
+        <p:cNvGrpSpPr/>
+        <p:nvPr/>
+      </p:nvGrpSpPr>
+      <p:grpSpPr>
+        <a:xfrm>
+          <a:off x="0" y="0"/>
+          <a:ext cx="0" cy="0"/>
+          <a:chOff x="0" y="0"/>
+          <a:chExt cx="0" cy="0"/>
+        </a:xfrm>
+      </p:grpSpPr>
+      <p:sp>
+        <p:nvSpPr>
+          <p:cNvPr id="2" name="Title 1">
+            <a:extLst>
+              <a:ext uri="{FF2B5EF4-FFF2-40B4-BE49-F238E27FC236}">
+                <a16:creationId xmlns:a16="http://schemas.microsoft.com/office/drawing/2014/main" id="{9726F2FF-EE8D-AE52-6D7C-A9E80093F56C}"/>
+              </a:ext>
+            </a:extLst>
+          </p:cNvPr>
+          <p:cNvSpPr>
+            <a:spLocks noGrp="1"/>
+          </p:cNvSpPr>
+          <p:nvPr>
+            <p:ph type="title"/>
+          </p:nvPr>
+        </p:nvSpPr>
+        <p:spPr/>
+        <p:txBody>
+          <a:bodyPr/>
+          <a:lstStyle/>
+          <a:p>
+            <a:r>
+              <a:rPr lang="en-US" dirty="0"/>
+              <a:t>Challenges, Limitations</a:t>
+            </a:r>
+          </a:p>
+        </p:txBody>
+      </p:sp>
+      <p:sp>
+        <p:nvSpPr>
+          <p:cNvPr id="3" name="Content Placeholder 2">
+            <a:extLst>
+              <a:ext uri="{FF2B5EF4-FFF2-40B4-BE49-F238E27FC236}">
+                <a16:creationId xmlns:a16="http://schemas.microsoft.com/office/drawing/2014/main" id="{EA915A5B-E8DC-4EA2-67E3-901472A432C5}"/>
+              </a:ext>
+            </a:extLst>
+          </p:cNvPr>
+          <p:cNvSpPr>
+            <a:spLocks noGrp="1"/>
+          </p:cNvSpPr>
+          <p:nvPr>
+            <p:ph idx="1"/>
+          </p:nvPr>
+        </p:nvSpPr>
+        <p:spPr/>
+        <p:txBody>
+          <a:bodyPr/>
+          <a:lstStyle/>
+          <a:p>
+            <a:r>
+              <a:rPr lang="en-US" dirty="0"/>
+              <a:t>Only a tiny portion of the Bitcoin blockchain and about </a:t>
+            </a:r>
+          </a:p>
+        </p:txBody>
+      </p:sp>
+    </p:spTree>
+    <p:extLst>
+      <p:ext uri="{BB962C8B-B14F-4D97-AF65-F5344CB8AC3E}">
+        <p14:creationId xmlns:p14="http://schemas.microsoft.com/office/powerpoint/2010/main" val="2362090297"/>
       </p:ext>
     </p:extLst>
   </p:cSld>

--- a/Nov28_presentation.pptx
+++ b/Nov28_presentation.pptx
@@ -4,15 +4,22 @@
   <p:sldMasterIdLst>
     <p:sldMasterId id="2147483648" r:id="rId1"/>
   </p:sldMasterIdLst>
+  <p:notesMasterIdLst>
+    <p:notesMasterId r:id="rId14"/>
+  </p:notesMasterIdLst>
   <p:sldIdLst>
     <p:sldId id="256" r:id="rId2"/>
-    <p:sldId id="257" r:id="rId3"/>
-    <p:sldId id="258" r:id="rId4"/>
-    <p:sldId id="259" r:id="rId5"/>
-    <p:sldId id="260" r:id="rId6"/>
-    <p:sldId id="261" r:id="rId7"/>
-    <p:sldId id="262" r:id="rId8"/>
-    <p:sldId id="263" r:id="rId9"/>
+    <p:sldId id="264" r:id="rId3"/>
+    <p:sldId id="257" r:id="rId4"/>
+    <p:sldId id="265" r:id="rId5"/>
+    <p:sldId id="258" r:id="rId6"/>
+    <p:sldId id="259" r:id="rId7"/>
+    <p:sldId id="267" r:id="rId8"/>
+    <p:sldId id="261" r:id="rId9"/>
+    <p:sldId id="268" r:id="rId10"/>
+    <p:sldId id="262" r:id="rId11"/>
+    <p:sldId id="263" r:id="rId12"/>
+    <p:sldId id="266" r:id="rId13"/>
   </p:sldIdLst>
   <p:sldSz cx="12192000" cy="6858000"/>
   <p:notesSz cx="6858000" cy="9144000"/>
@@ -119,6 +126,355 @@
 </p:presentation>
 </file>
 
+<file path=ppt/notesMasters/notesMaster1.xml><?xml version="1.0" encoding="utf-8"?>
+<p:notesMaster xmlns:a="http://schemas.openxmlformats.org/drawingml/2006/main" xmlns:r="http://schemas.openxmlformats.org/officeDocument/2006/relationships" xmlns:p="http://schemas.openxmlformats.org/presentationml/2006/main">
+  <p:cSld>
+    <p:bg>
+      <p:bgRef idx="1001">
+        <a:schemeClr val="bg1"/>
+      </p:bgRef>
+    </p:bg>
+    <p:spTree>
+      <p:nvGrpSpPr>
+        <p:cNvPr id="1" name=""/>
+        <p:cNvGrpSpPr/>
+        <p:nvPr/>
+      </p:nvGrpSpPr>
+      <p:grpSpPr>
+        <a:xfrm>
+          <a:off x="0" y="0"/>
+          <a:ext cx="0" cy="0"/>
+          <a:chOff x="0" y="0"/>
+          <a:chExt cx="0" cy="0"/>
+        </a:xfrm>
+      </p:grpSpPr>
+      <p:sp>
+        <p:nvSpPr>
+          <p:cNvPr id="2" name="Header Placeholder 1"/>
+          <p:cNvSpPr>
+            <a:spLocks noGrp="1"/>
+          </p:cNvSpPr>
+          <p:nvPr>
+            <p:ph type="hdr" sz="quarter"/>
+          </p:nvPr>
+        </p:nvSpPr>
+        <p:spPr>
+          <a:xfrm>
+            <a:off x="0" y="0"/>
+            <a:ext cx="2971800" cy="458788"/>
+          </a:xfrm>
+          <a:prstGeom prst="rect">
+            <a:avLst/>
+          </a:prstGeom>
+        </p:spPr>
+        <p:txBody>
+          <a:bodyPr vert="horz" lIns="91440" tIns="45720" rIns="91440" bIns="45720" rtlCol="0"/>
+          <a:lstStyle>
+            <a:lvl1pPr algn="l">
+              <a:defRPr sz="1200"/>
+            </a:lvl1pPr>
+          </a:lstStyle>
+          <a:p>
+            <a:endParaRPr lang="en-US"/>
+          </a:p>
+        </p:txBody>
+      </p:sp>
+      <p:sp>
+        <p:nvSpPr>
+          <p:cNvPr id="3" name="Date Placeholder 2"/>
+          <p:cNvSpPr>
+            <a:spLocks noGrp="1"/>
+          </p:cNvSpPr>
+          <p:nvPr>
+            <p:ph type="dt" idx="1"/>
+          </p:nvPr>
+        </p:nvSpPr>
+        <p:spPr>
+          <a:xfrm>
+            <a:off x="3884613" y="0"/>
+            <a:ext cx="2971800" cy="458788"/>
+          </a:xfrm>
+          <a:prstGeom prst="rect">
+            <a:avLst/>
+          </a:prstGeom>
+        </p:spPr>
+        <p:txBody>
+          <a:bodyPr vert="horz" lIns="91440" tIns="45720" rIns="91440" bIns="45720" rtlCol="0"/>
+          <a:lstStyle>
+            <a:lvl1pPr algn="r">
+              <a:defRPr sz="1200"/>
+            </a:lvl1pPr>
+          </a:lstStyle>
+          <a:p>
+            <a:fld id="{4844DD01-5C53-7A4A-8E4C-93CA5961247A}" type="datetimeFigureOut">
+              <a:rPr lang="en-US" smtClean="0"/>
+              <a:t>11/20/24</a:t>
+            </a:fld>
+            <a:endParaRPr lang="en-US"/>
+          </a:p>
+        </p:txBody>
+      </p:sp>
+      <p:sp>
+        <p:nvSpPr>
+          <p:cNvPr id="4" name="Slide Image Placeholder 3"/>
+          <p:cNvSpPr>
+            <a:spLocks noGrp="1" noRot="1" noChangeAspect="1"/>
+          </p:cNvSpPr>
+          <p:nvPr>
+            <p:ph type="sldImg" idx="2"/>
+          </p:nvPr>
+        </p:nvSpPr>
+        <p:spPr>
+          <a:xfrm>
+            <a:off x="685800" y="1143000"/>
+            <a:ext cx="5486400" cy="3086100"/>
+          </a:xfrm>
+          <a:prstGeom prst="rect">
+            <a:avLst/>
+          </a:prstGeom>
+          <a:noFill/>
+          <a:ln w="12700">
+            <a:solidFill>
+              <a:prstClr val="black"/>
+            </a:solidFill>
+          </a:ln>
+        </p:spPr>
+        <p:txBody>
+          <a:bodyPr vert="horz" lIns="91440" tIns="45720" rIns="91440" bIns="45720" rtlCol="0" anchor="ctr"/>
+          <a:lstStyle/>
+          <a:p>
+            <a:endParaRPr lang="en-US"/>
+          </a:p>
+        </p:txBody>
+      </p:sp>
+      <p:sp>
+        <p:nvSpPr>
+          <p:cNvPr id="5" name="Notes Placeholder 4"/>
+          <p:cNvSpPr>
+            <a:spLocks noGrp="1"/>
+          </p:cNvSpPr>
+          <p:nvPr>
+            <p:ph type="body" sz="quarter" idx="3"/>
+          </p:nvPr>
+        </p:nvSpPr>
+        <p:spPr>
+          <a:xfrm>
+            <a:off x="685800" y="4400550"/>
+            <a:ext cx="5486400" cy="3600450"/>
+          </a:xfrm>
+          <a:prstGeom prst="rect">
+            <a:avLst/>
+          </a:prstGeom>
+        </p:spPr>
+        <p:txBody>
+          <a:bodyPr vert="horz" lIns="91440" tIns="45720" rIns="91440" bIns="45720" rtlCol="0"/>
+          <a:lstStyle/>
+          <a:p>
+            <a:pPr lvl="0"/>
+            <a:r>
+              <a:rPr lang="en-US"/>
+              <a:t>Click to edit Master text styles</a:t>
+            </a:r>
+          </a:p>
+          <a:p>
+            <a:pPr lvl="1"/>
+            <a:r>
+              <a:rPr lang="en-US"/>
+              <a:t>Second level</a:t>
+            </a:r>
+          </a:p>
+          <a:p>
+            <a:pPr lvl="2"/>
+            <a:r>
+              <a:rPr lang="en-US"/>
+              <a:t>Third level</a:t>
+            </a:r>
+          </a:p>
+          <a:p>
+            <a:pPr lvl="3"/>
+            <a:r>
+              <a:rPr lang="en-US"/>
+              <a:t>Fourth level</a:t>
+            </a:r>
+          </a:p>
+          <a:p>
+            <a:pPr lvl="4"/>
+            <a:r>
+              <a:rPr lang="en-US"/>
+              <a:t>Fifth level</a:t>
+            </a:r>
+          </a:p>
+        </p:txBody>
+      </p:sp>
+      <p:sp>
+        <p:nvSpPr>
+          <p:cNvPr id="6" name="Footer Placeholder 5"/>
+          <p:cNvSpPr>
+            <a:spLocks noGrp="1"/>
+          </p:cNvSpPr>
+          <p:nvPr>
+            <p:ph type="ftr" sz="quarter" idx="4"/>
+          </p:nvPr>
+        </p:nvSpPr>
+        <p:spPr>
+          <a:xfrm>
+            <a:off x="0" y="8685213"/>
+            <a:ext cx="2971800" cy="458787"/>
+          </a:xfrm>
+          <a:prstGeom prst="rect">
+            <a:avLst/>
+          </a:prstGeom>
+        </p:spPr>
+        <p:txBody>
+          <a:bodyPr vert="horz" lIns="91440" tIns="45720" rIns="91440" bIns="45720" rtlCol="0" anchor="b"/>
+          <a:lstStyle>
+            <a:lvl1pPr algn="l">
+              <a:defRPr sz="1200"/>
+            </a:lvl1pPr>
+          </a:lstStyle>
+          <a:p>
+            <a:endParaRPr lang="en-US"/>
+          </a:p>
+        </p:txBody>
+      </p:sp>
+      <p:sp>
+        <p:nvSpPr>
+          <p:cNvPr id="7" name="Slide Number Placeholder 6"/>
+          <p:cNvSpPr>
+            <a:spLocks noGrp="1"/>
+          </p:cNvSpPr>
+          <p:nvPr>
+            <p:ph type="sldNum" sz="quarter" idx="5"/>
+          </p:nvPr>
+        </p:nvSpPr>
+        <p:spPr>
+          <a:xfrm>
+            <a:off x="3884613" y="8685213"/>
+            <a:ext cx="2971800" cy="458787"/>
+          </a:xfrm>
+          <a:prstGeom prst="rect">
+            <a:avLst/>
+          </a:prstGeom>
+        </p:spPr>
+        <p:txBody>
+          <a:bodyPr vert="horz" lIns="91440" tIns="45720" rIns="91440" bIns="45720" rtlCol="0" anchor="b"/>
+          <a:lstStyle>
+            <a:lvl1pPr algn="r">
+              <a:defRPr sz="1200"/>
+            </a:lvl1pPr>
+          </a:lstStyle>
+          <a:p>
+            <a:fld id="{1A97AEF2-D81B-A64A-BF26-2BF05CAC35C6}" type="slidenum">
+              <a:rPr lang="en-US" smtClean="0"/>
+              <a:t>‹#›</a:t>
+            </a:fld>
+            <a:endParaRPr lang="en-US"/>
+          </a:p>
+        </p:txBody>
+      </p:sp>
+    </p:spTree>
+    <p:extLst>
+      <p:ext uri="{BB962C8B-B14F-4D97-AF65-F5344CB8AC3E}">
+        <p14:creationId xmlns:p14="http://schemas.microsoft.com/office/powerpoint/2010/main" val="1372612712"/>
+      </p:ext>
+    </p:extLst>
+  </p:cSld>
+  <p:clrMap bg1="lt1" tx1="dk1" bg2="lt2" tx2="dk2" accent1="accent1" accent2="accent2" accent3="accent3" accent4="accent4" accent5="accent5" accent6="accent6" hlink="hlink" folHlink="folHlink"/>
+  <p:notesStyle>
+    <a:lvl1pPr marL="0" algn="l" defTabSz="914400" rtl="0" eaLnBrk="1" latinLnBrk="0" hangingPunct="1">
+      <a:defRPr sz="1200" kern="1200">
+        <a:solidFill>
+          <a:schemeClr val="tx1"/>
+        </a:solidFill>
+        <a:latin typeface="+mn-lt"/>
+        <a:ea typeface="+mn-ea"/>
+        <a:cs typeface="+mn-cs"/>
+      </a:defRPr>
+    </a:lvl1pPr>
+    <a:lvl2pPr marL="457200" algn="l" defTabSz="914400" rtl="0" eaLnBrk="1" latinLnBrk="0" hangingPunct="1">
+      <a:defRPr sz="1200" kern="1200">
+        <a:solidFill>
+          <a:schemeClr val="tx1"/>
+        </a:solidFill>
+        <a:latin typeface="+mn-lt"/>
+        <a:ea typeface="+mn-ea"/>
+        <a:cs typeface="+mn-cs"/>
+      </a:defRPr>
+    </a:lvl2pPr>
+    <a:lvl3pPr marL="914400" algn="l" defTabSz="914400" rtl="0" eaLnBrk="1" latinLnBrk="0" hangingPunct="1">
+      <a:defRPr sz="1200" kern="1200">
+        <a:solidFill>
+          <a:schemeClr val="tx1"/>
+        </a:solidFill>
+        <a:latin typeface="+mn-lt"/>
+        <a:ea typeface="+mn-ea"/>
+        <a:cs typeface="+mn-cs"/>
+      </a:defRPr>
+    </a:lvl3pPr>
+    <a:lvl4pPr marL="1371600" algn="l" defTabSz="914400" rtl="0" eaLnBrk="1" latinLnBrk="0" hangingPunct="1">
+      <a:defRPr sz="1200" kern="1200">
+        <a:solidFill>
+          <a:schemeClr val="tx1"/>
+        </a:solidFill>
+        <a:latin typeface="+mn-lt"/>
+        <a:ea typeface="+mn-ea"/>
+        <a:cs typeface="+mn-cs"/>
+      </a:defRPr>
+    </a:lvl4pPr>
+    <a:lvl5pPr marL="1828800" algn="l" defTabSz="914400" rtl="0" eaLnBrk="1" latinLnBrk="0" hangingPunct="1">
+      <a:defRPr sz="1200" kern="1200">
+        <a:solidFill>
+          <a:schemeClr val="tx1"/>
+        </a:solidFill>
+        <a:latin typeface="+mn-lt"/>
+        <a:ea typeface="+mn-ea"/>
+        <a:cs typeface="+mn-cs"/>
+      </a:defRPr>
+    </a:lvl5pPr>
+    <a:lvl6pPr marL="2286000" algn="l" defTabSz="914400" rtl="0" eaLnBrk="1" latinLnBrk="0" hangingPunct="1">
+      <a:defRPr sz="1200" kern="1200">
+        <a:solidFill>
+          <a:schemeClr val="tx1"/>
+        </a:solidFill>
+        <a:latin typeface="+mn-lt"/>
+        <a:ea typeface="+mn-ea"/>
+        <a:cs typeface="+mn-cs"/>
+      </a:defRPr>
+    </a:lvl6pPr>
+    <a:lvl7pPr marL="2743200" algn="l" defTabSz="914400" rtl="0" eaLnBrk="1" latinLnBrk="0" hangingPunct="1">
+      <a:defRPr sz="1200" kern="1200">
+        <a:solidFill>
+          <a:schemeClr val="tx1"/>
+        </a:solidFill>
+        <a:latin typeface="+mn-lt"/>
+        <a:ea typeface="+mn-ea"/>
+        <a:cs typeface="+mn-cs"/>
+      </a:defRPr>
+    </a:lvl7pPr>
+    <a:lvl8pPr marL="3200400" algn="l" defTabSz="914400" rtl="0" eaLnBrk="1" latinLnBrk="0" hangingPunct="1">
+      <a:defRPr sz="1200" kern="1200">
+        <a:solidFill>
+          <a:schemeClr val="tx1"/>
+        </a:solidFill>
+        <a:latin typeface="+mn-lt"/>
+        <a:ea typeface="+mn-ea"/>
+        <a:cs typeface="+mn-cs"/>
+      </a:defRPr>
+    </a:lvl8pPr>
+    <a:lvl9pPr marL="3657600" algn="l" defTabSz="914400" rtl="0" eaLnBrk="1" latinLnBrk="0" hangingPunct="1">
+      <a:defRPr sz="1200" kern="1200">
+        <a:solidFill>
+          <a:schemeClr val="tx1"/>
+        </a:solidFill>
+        <a:latin typeface="+mn-lt"/>
+        <a:ea typeface="+mn-ea"/>
+        <a:cs typeface="+mn-cs"/>
+      </a:defRPr>
+    </a:lvl9pPr>
+  </p:notesStyle>
+</p:notesMaster>
+</file>
+
 <file path=ppt/slideLayouts/slideLayout1.xml><?xml version="1.0" encoding="utf-8"?>
 <p:sldLayout xmlns:a="http://schemas.openxmlformats.org/drawingml/2006/main" xmlns:r="http://schemas.openxmlformats.org/officeDocument/2006/relationships" xmlns:p="http://schemas.openxmlformats.org/presentationml/2006/main" type="title" preserve="1">
   <p:cSld name="Title Slide">
@@ -264,9 +620,9 @@
           <a:bodyPr/>
           <a:lstStyle/>
           <a:p>
-            <a:fld id="{07B83E35-4987-C144-9EBD-391387538DE9}" type="datetimeFigureOut">
-              <a:rPr lang="en-US" smtClean="0"/>
-              <a:t>11/19/24</a:t>
+            <a:fld id="{671FCF9C-F305-7D44-A008-468E4FE731B3}" type="datetime1">
+              <a:rPr lang="en-CA" smtClean="0"/>
+              <a:t>2024-11-20</a:t>
             </a:fld>
             <a:endParaRPr lang="en-US"/>
           </a:p>
@@ -462,9 +818,9 @@
           <a:bodyPr/>
           <a:lstStyle/>
           <a:p>
-            <a:fld id="{07B83E35-4987-C144-9EBD-391387538DE9}" type="datetimeFigureOut">
-              <a:rPr lang="en-US" smtClean="0"/>
-              <a:t>11/19/24</a:t>
+            <a:fld id="{1ED3CC7E-BBFD-0E47-989A-E75DE05AF482}" type="datetime1">
+              <a:rPr lang="en-CA" smtClean="0"/>
+              <a:t>2024-11-20</a:t>
             </a:fld>
             <a:endParaRPr lang="en-US"/>
           </a:p>
@@ -670,9 +1026,9 @@
           <a:bodyPr/>
           <a:lstStyle/>
           <a:p>
-            <a:fld id="{07B83E35-4987-C144-9EBD-391387538DE9}" type="datetimeFigureOut">
-              <a:rPr lang="en-US" smtClean="0"/>
-              <a:t>11/19/24</a:t>
+            <a:fld id="{90738ED8-A1C5-3D44-8133-7D1634CE14B7}" type="datetime1">
+              <a:rPr lang="en-CA" smtClean="0"/>
+              <a:t>2024-11-20</a:t>
             </a:fld>
             <a:endParaRPr lang="en-US"/>
           </a:p>
@@ -868,9 +1224,9 @@
           <a:bodyPr/>
           <a:lstStyle/>
           <a:p>
-            <a:fld id="{07B83E35-4987-C144-9EBD-391387538DE9}" type="datetimeFigureOut">
-              <a:rPr lang="en-US" smtClean="0"/>
-              <a:t>11/19/24</a:t>
+            <a:fld id="{FC267F7F-9FAA-B04C-B324-534CF1D77269}" type="datetime1">
+              <a:rPr lang="en-CA" smtClean="0"/>
+              <a:t>2024-11-20</a:t>
             </a:fld>
             <a:endParaRPr lang="en-US"/>
           </a:p>
@@ -1143,9 +1499,9 @@
           <a:bodyPr/>
           <a:lstStyle/>
           <a:p>
-            <a:fld id="{07B83E35-4987-C144-9EBD-391387538DE9}" type="datetimeFigureOut">
-              <a:rPr lang="en-US" smtClean="0"/>
-              <a:t>11/19/24</a:t>
+            <a:fld id="{C0A20E0E-B27F-F242-B4AB-E78DFB9D4D02}" type="datetime1">
+              <a:rPr lang="en-CA" smtClean="0"/>
+              <a:t>2024-11-20</a:t>
             </a:fld>
             <a:endParaRPr lang="en-US"/>
           </a:p>
@@ -1408,9 +1764,9 @@
           <a:bodyPr/>
           <a:lstStyle/>
           <a:p>
-            <a:fld id="{07B83E35-4987-C144-9EBD-391387538DE9}" type="datetimeFigureOut">
-              <a:rPr lang="en-US" smtClean="0"/>
-              <a:t>11/19/24</a:t>
+            <a:fld id="{ACEC6C82-86F7-194D-8D0F-EF5E04B94968}" type="datetime1">
+              <a:rPr lang="en-CA" smtClean="0"/>
+              <a:t>2024-11-20</a:t>
             </a:fld>
             <a:endParaRPr lang="en-US"/>
           </a:p>
@@ -1820,9 +2176,9 @@
           <a:bodyPr/>
           <a:lstStyle/>
           <a:p>
-            <a:fld id="{07B83E35-4987-C144-9EBD-391387538DE9}" type="datetimeFigureOut">
-              <a:rPr lang="en-US" smtClean="0"/>
-              <a:t>11/19/24</a:t>
+            <a:fld id="{CBF75132-D0DE-F241-B7AF-8770AC411FC7}" type="datetime1">
+              <a:rPr lang="en-CA" smtClean="0"/>
+              <a:t>2024-11-20</a:t>
             </a:fld>
             <a:endParaRPr lang="en-US"/>
           </a:p>
@@ -1961,9 +2317,9 @@
           <a:bodyPr/>
           <a:lstStyle/>
           <a:p>
-            <a:fld id="{07B83E35-4987-C144-9EBD-391387538DE9}" type="datetimeFigureOut">
-              <a:rPr lang="en-US" smtClean="0"/>
-              <a:t>11/19/24</a:t>
+            <a:fld id="{03DF9928-E009-6D40-BE36-2F78D225542E}" type="datetime1">
+              <a:rPr lang="en-CA" smtClean="0"/>
+              <a:t>2024-11-20</a:t>
             </a:fld>
             <a:endParaRPr lang="en-US"/>
           </a:p>
@@ -2074,9 +2430,9 @@
           <a:bodyPr/>
           <a:lstStyle/>
           <a:p>
-            <a:fld id="{07B83E35-4987-C144-9EBD-391387538DE9}" type="datetimeFigureOut">
-              <a:rPr lang="en-US" smtClean="0"/>
-              <a:t>11/19/24</a:t>
+            <a:fld id="{CD51D8D0-E726-D04E-90EB-6B1EB25AC3CC}" type="datetime1">
+              <a:rPr lang="en-CA" smtClean="0"/>
+              <a:t>2024-11-20</a:t>
             </a:fld>
             <a:endParaRPr lang="en-US"/>
           </a:p>
@@ -2385,9 +2741,9 @@
           <a:bodyPr/>
           <a:lstStyle/>
           <a:p>
-            <a:fld id="{07B83E35-4987-C144-9EBD-391387538DE9}" type="datetimeFigureOut">
-              <a:rPr lang="en-US" smtClean="0"/>
-              <a:t>11/19/24</a:t>
+            <a:fld id="{EAEB19C4-334B-5041-9811-016B35F125F4}" type="datetime1">
+              <a:rPr lang="en-CA" smtClean="0"/>
+              <a:t>2024-11-20</a:t>
             </a:fld>
             <a:endParaRPr lang="en-US"/>
           </a:p>
@@ -2673,9 +3029,9 @@
           <a:bodyPr/>
           <a:lstStyle/>
           <a:p>
-            <a:fld id="{07B83E35-4987-C144-9EBD-391387538DE9}" type="datetimeFigureOut">
-              <a:rPr lang="en-US" smtClean="0"/>
-              <a:t>11/19/24</a:t>
+            <a:fld id="{1B1578F7-1EB6-3145-9811-3082C6EA2097}" type="datetime1">
+              <a:rPr lang="en-CA" smtClean="0"/>
+              <a:t>2024-11-20</a:t>
             </a:fld>
             <a:endParaRPr lang="en-US"/>
           </a:p>
@@ -2914,9 +3270,9 @@
             </a:lvl1pPr>
           </a:lstStyle>
           <a:p>
-            <a:fld id="{07B83E35-4987-C144-9EBD-391387538DE9}" type="datetimeFigureOut">
-              <a:rPr lang="en-US" smtClean="0"/>
-              <a:t>11/19/24</a:t>
+            <a:fld id="{DEF2BE18-F4C6-A94D-94D6-CEA68E1A27A8}" type="datetime1">
+              <a:rPr lang="en-CA" smtClean="0"/>
+              <a:t>2024-11-20</a:t>
             </a:fld>
             <a:endParaRPr lang="en-US"/>
           </a:p>
@@ -3033,6 +3389,7 @@
     <p:sldLayoutId id="2147483658" r:id="rId10"/>
     <p:sldLayoutId id="2147483659" r:id="rId11"/>
   </p:sldLayoutIdLst>
+  <p:hf hdr="0" ftr="0" dt="0"/>
   <p:txStyles>
     <p:titleStyle>
       <a:lvl1pPr algn="l" defTabSz="914400" rtl="0" eaLnBrk="1" latinLnBrk="0" hangingPunct="1">
@@ -3356,7 +3713,7 @@
           <a:p>
             <a:r>
               <a:rPr lang="en-US" dirty="0"/>
-              <a:t>Data 3010 Project</a:t>
+              <a:t>Classifying Illicit Addresses on the Bitcoin Network</a:t>
             </a:r>
           </a:p>
         </p:txBody>
@@ -3397,6 +3754,35 @@
               <a:t>Berzuk</a:t>
             </a:r>
             <a:endParaRPr lang="en-US" dirty="0"/>
+          </a:p>
+        </p:txBody>
+      </p:sp>
+      <p:sp>
+        <p:nvSpPr>
+          <p:cNvPr id="4" name="Slide Number Placeholder 3">
+            <a:extLst>
+              <a:ext uri="{FF2B5EF4-FFF2-40B4-BE49-F238E27FC236}">
+                <a16:creationId xmlns:a16="http://schemas.microsoft.com/office/drawing/2014/main" id="{B094472B-9985-79E5-FD90-B536EAA63C14}"/>
+              </a:ext>
+            </a:extLst>
+          </p:cNvPr>
+          <p:cNvSpPr>
+            <a:spLocks noGrp="1"/>
+          </p:cNvSpPr>
+          <p:nvPr>
+            <p:ph type="sldNum" sz="quarter" idx="12"/>
+          </p:nvPr>
+        </p:nvSpPr>
+        <p:spPr/>
+        <p:txBody>
+          <a:bodyPr/>
+          <a:lstStyle/>
+          <a:p>
+            <a:fld id="{10EC7B44-2E49-1D46-8209-43D5A576A81A}" type="slidenum">
+              <a:rPr lang="en-US" smtClean="0"/>
+              <a:t>1</a:t>
+            </a:fld>
+            <a:endParaRPr lang="en-US"/>
           </a:p>
         </p:txBody>
       </p:sp>
@@ -3404,6 +3790,445 @@
     <p:extLst>
       <p:ext uri="{BB962C8B-B14F-4D97-AF65-F5344CB8AC3E}">
         <p14:creationId xmlns:p14="http://schemas.microsoft.com/office/powerpoint/2010/main" val="110385148"/>
+      </p:ext>
+    </p:extLst>
+  </p:cSld>
+  <p:clrMapOvr>
+    <a:masterClrMapping/>
+  </p:clrMapOvr>
+</p:sld>
+</file>
+
+<file path=ppt/slides/slide10.xml><?xml version="1.0" encoding="utf-8"?>
+<p:sld xmlns:a="http://schemas.openxmlformats.org/drawingml/2006/main" xmlns:r="http://schemas.openxmlformats.org/officeDocument/2006/relationships" xmlns:p="http://schemas.openxmlformats.org/presentationml/2006/main">
+  <p:cSld>
+    <p:spTree>
+      <p:nvGrpSpPr>
+        <p:cNvPr id="1" name=""/>
+        <p:cNvGrpSpPr/>
+        <p:nvPr/>
+      </p:nvGrpSpPr>
+      <p:grpSpPr>
+        <a:xfrm>
+          <a:off x="0" y="0"/>
+          <a:ext cx="0" cy="0"/>
+          <a:chOff x="0" y="0"/>
+          <a:chExt cx="0" cy="0"/>
+        </a:xfrm>
+      </p:grpSpPr>
+      <p:sp>
+        <p:nvSpPr>
+          <p:cNvPr id="2" name="Title 1">
+            <a:extLst>
+              <a:ext uri="{FF2B5EF4-FFF2-40B4-BE49-F238E27FC236}">
+                <a16:creationId xmlns:a16="http://schemas.microsoft.com/office/drawing/2014/main" id="{1EADBE7F-2BBD-5619-0D28-94B5B0DBA281}"/>
+              </a:ext>
+            </a:extLst>
+          </p:cNvPr>
+          <p:cNvSpPr>
+            <a:spLocks noGrp="1"/>
+          </p:cNvSpPr>
+          <p:nvPr>
+            <p:ph type="title"/>
+          </p:nvPr>
+        </p:nvSpPr>
+        <p:spPr/>
+        <p:txBody>
+          <a:bodyPr/>
+          <a:lstStyle/>
+          <a:p>
+            <a:r>
+              <a:rPr lang="en-US" dirty="0"/>
+              <a:t>Preliminary Results</a:t>
+            </a:r>
+          </a:p>
+        </p:txBody>
+      </p:sp>
+      <p:sp>
+        <p:nvSpPr>
+          <p:cNvPr id="3" name="Content Placeholder 2">
+            <a:extLst>
+              <a:ext uri="{FF2B5EF4-FFF2-40B4-BE49-F238E27FC236}">
+                <a16:creationId xmlns:a16="http://schemas.microsoft.com/office/drawing/2014/main" id="{D6033AF6-8C05-06FA-4591-19FE28365DB7}"/>
+              </a:ext>
+            </a:extLst>
+          </p:cNvPr>
+          <p:cNvSpPr>
+            <a:spLocks noGrp="1"/>
+          </p:cNvSpPr>
+          <p:nvPr>
+            <p:ph idx="1"/>
+          </p:nvPr>
+        </p:nvSpPr>
+        <p:spPr/>
+        <p:txBody>
+          <a:bodyPr/>
+          <a:lstStyle/>
+          <a:p>
+            <a:endParaRPr lang="en-US"/>
+          </a:p>
+        </p:txBody>
+      </p:sp>
+      <p:sp>
+        <p:nvSpPr>
+          <p:cNvPr id="4" name="Slide Number Placeholder 3">
+            <a:extLst>
+              <a:ext uri="{FF2B5EF4-FFF2-40B4-BE49-F238E27FC236}">
+                <a16:creationId xmlns:a16="http://schemas.microsoft.com/office/drawing/2014/main" id="{908D4CB6-A7B7-6683-1FEB-BDCE0B2DA51F}"/>
+              </a:ext>
+            </a:extLst>
+          </p:cNvPr>
+          <p:cNvSpPr>
+            <a:spLocks noGrp="1"/>
+          </p:cNvSpPr>
+          <p:nvPr>
+            <p:ph type="sldNum" sz="quarter" idx="12"/>
+          </p:nvPr>
+        </p:nvSpPr>
+        <p:spPr/>
+        <p:txBody>
+          <a:bodyPr/>
+          <a:lstStyle/>
+          <a:p>
+            <a:fld id="{10EC7B44-2E49-1D46-8209-43D5A576A81A}" type="slidenum">
+              <a:rPr lang="en-US" smtClean="0"/>
+              <a:t>10</a:t>
+            </a:fld>
+            <a:endParaRPr lang="en-US"/>
+          </a:p>
+        </p:txBody>
+      </p:sp>
+    </p:spTree>
+    <p:extLst>
+      <p:ext uri="{BB962C8B-B14F-4D97-AF65-F5344CB8AC3E}">
+        <p14:creationId xmlns:p14="http://schemas.microsoft.com/office/powerpoint/2010/main" val="1856578987"/>
+      </p:ext>
+    </p:extLst>
+  </p:cSld>
+  <p:clrMapOvr>
+    <a:masterClrMapping/>
+  </p:clrMapOvr>
+</p:sld>
+</file>
+
+<file path=ppt/slides/slide11.xml><?xml version="1.0" encoding="utf-8"?>
+<p:sld xmlns:a="http://schemas.openxmlformats.org/drawingml/2006/main" xmlns:r="http://schemas.openxmlformats.org/officeDocument/2006/relationships" xmlns:p="http://schemas.openxmlformats.org/presentationml/2006/main">
+  <p:cSld>
+    <p:spTree>
+      <p:nvGrpSpPr>
+        <p:cNvPr id="1" name=""/>
+        <p:cNvGrpSpPr/>
+        <p:nvPr/>
+      </p:nvGrpSpPr>
+      <p:grpSpPr>
+        <a:xfrm>
+          <a:off x="0" y="0"/>
+          <a:ext cx="0" cy="0"/>
+          <a:chOff x="0" y="0"/>
+          <a:chExt cx="0" cy="0"/>
+        </a:xfrm>
+      </p:grpSpPr>
+      <p:sp>
+        <p:nvSpPr>
+          <p:cNvPr id="2" name="Title 1">
+            <a:extLst>
+              <a:ext uri="{FF2B5EF4-FFF2-40B4-BE49-F238E27FC236}">
+                <a16:creationId xmlns:a16="http://schemas.microsoft.com/office/drawing/2014/main" id="{9726F2FF-EE8D-AE52-6D7C-A9E80093F56C}"/>
+              </a:ext>
+            </a:extLst>
+          </p:cNvPr>
+          <p:cNvSpPr>
+            <a:spLocks noGrp="1"/>
+          </p:cNvSpPr>
+          <p:nvPr>
+            <p:ph type="title"/>
+          </p:nvPr>
+        </p:nvSpPr>
+        <p:spPr/>
+        <p:txBody>
+          <a:bodyPr/>
+          <a:lstStyle/>
+          <a:p>
+            <a:r>
+              <a:rPr lang="en-US" dirty="0"/>
+              <a:t>Challenges, Limitations</a:t>
+            </a:r>
+          </a:p>
+        </p:txBody>
+      </p:sp>
+      <p:sp>
+        <p:nvSpPr>
+          <p:cNvPr id="3" name="Content Placeholder 2">
+            <a:extLst>
+              <a:ext uri="{FF2B5EF4-FFF2-40B4-BE49-F238E27FC236}">
+                <a16:creationId xmlns:a16="http://schemas.microsoft.com/office/drawing/2014/main" id="{EA915A5B-E8DC-4EA2-67E3-901472A432C5}"/>
+              </a:ext>
+            </a:extLst>
+          </p:cNvPr>
+          <p:cNvSpPr>
+            <a:spLocks noGrp="1"/>
+          </p:cNvSpPr>
+          <p:nvPr>
+            <p:ph idx="1"/>
+          </p:nvPr>
+        </p:nvSpPr>
+        <p:spPr/>
+        <p:txBody>
+          <a:bodyPr/>
+          <a:lstStyle/>
+          <a:p>
+            <a:r>
+              <a:rPr lang="en-US" dirty="0"/>
+              <a:t>Only a tiny portion of the Bitcoin blockchain and about</a:t>
+            </a:r>
+          </a:p>
+          <a:p>
+            <a:r>
+              <a:rPr lang="en-US" dirty="0"/>
+              <a:t>Model trained on addresses associated with transaction over a two-week time frame, so may not generalize well</a:t>
+            </a:r>
+          </a:p>
+          <a:p>
+            <a:r>
+              <a:rPr lang="en-US" dirty="0"/>
+              <a:t>Obtaining features for new addresses not included in the Elliptic++ dataset is not implemented and involves crawling the Bitcoin blockchain </a:t>
+            </a:r>
+          </a:p>
+        </p:txBody>
+      </p:sp>
+      <p:sp>
+        <p:nvSpPr>
+          <p:cNvPr id="4" name="Slide Number Placeholder 3">
+            <a:extLst>
+              <a:ext uri="{FF2B5EF4-FFF2-40B4-BE49-F238E27FC236}">
+                <a16:creationId xmlns:a16="http://schemas.microsoft.com/office/drawing/2014/main" id="{53417520-F38D-5CD2-80A5-46A0B3CC07AE}"/>
+              </a:ext>
+            </a:extLst>
+          </p:cNvPr>
+          <p:cNvSpPr>
+            <a:spLocks noGrp="1"/>
+          </p:cNvSpPr>
+          <p:nvPr>
+            <p:ph type="sldNum" sz="quarter" idx="12"/>
+          </p:nvPr>
+        </p:nvSpPr>
+        <p:spPr/>
+        <p:txBody>
+          <a:bodyPr/>
+          <a:lstStyle/>
+          <a:p>
+            <a:fld id="{10EC7B44-2E49-1D46-8209-43D5A576A81A}" type="slidenum">
+              <a:rPr lang="en-US" smtClean="0"/>
+              <a:t>11</a:t>
+            </a:fld>
+            <a:endParaRPr lang="en-US"/>
+          </a:p>
+        </p:txBody>
+      </p:sp>
+    </p:spTree>
+    <p:extLst>
+      <p:ext uri="{BB962C8B-B14F-4D97-AF65-F5344CB8AC3E}">
+        <p14:creationId xmlns:p14="http://schemas.microsoft.com/office/powerpoint/2010/main" val="2362090297"/>
+      </p:ext>
+    </p:extLst>
+  </p:cSld>
+  <p:clrMapOvr>
+    <a:masterClrMapping/>
+  </p:clrMapOvr>
+</p:sld>
+</file>
+
+<file path=ppt/slides/slide12.xml><?xml version="1.0" encoding="utf-8"?>
+<p:sld xmlns:a="http://schemas.openxmlformats.org/drawingml/2006/main" xmlns:r="http://schemas.openxmlformats.org/officeDocument/2006/relationships" xmlns:p="http://schemas.openxmlformats.org/presentationml/2006/main">
+  <p:cSld>
+    <p:spTree>
+      <p:nvGrpSpPr>
+        <p:cNvPr id="1" name=""/>
+        <p:cNvGrpSpPr/>
+        <p:nvPr/>
+      </p:nvGrpSpPr>
+      <p:grpSpPr>
+        <a:xfrm>
+          <a:off x="0" y="0"/>
+          <a:ext cx="0" cy="0"/>
+          <a:chOff x="0" y="0"/>
+          <a:chExt cx="0" cy="0"/>
+        </a:xfrm>
+      </p:grpSpPr>
+      <p:sp>
+        <p:nvSpPr>
+          <p:cNvPr id="2" name="Title 1">
+            <a:extLst>
+              <a:ext uri="{FF2B5EF4-FFF2-40B4-BE49-F238E27FC236}">
+                <a16:creationId xmlns:a16="http://schemas.microsoft.com/office/drawing/2014/main" id="{967BB7A5-5BC6-5C23-AF75-853B9834DB47}"/>
+              </a:ext>
+            </a:extLst>
+          </p:cNvPr>
+          <p:cNvSpPr>
+            <a:spLocks noGrp="1"/>
+          </p:cNvSpPr>
+          <p:nvPr>
+            <p:ph type="title"/>
+          </p:nvPr>
+        </p:nvSpPr>
+        <p:spPr/>
+        <p:txBody>
+          <a:bodyPr/>
+          <a:lstStyle/>
+          <a:p>
+            <a:r>
+              <a:rPr lang="en-US" dirty="0"/>
+              <a:t>References</a:t>
+            </a:r>
+          </a:p>
+        </p:txBody>
+      </p:sp>
+      <p:sp>
+        <p:nvSpPr>
+          <p:cNvPr id="3" name="Content Placeholder 2">
+            <a:extLst>
+              <a:ext uri="{FF2B5EF4-FFF2-40B4-BE49-F238E27FC236}">
+                <a16:creationId xmlns:a16="http://schemas.microsoft.com/office/drawing/2014/main" id="{BA50E6EC-F6C0-4F0C-4994-1F99A4F3A05E}"/>
+              </a:ext>
+            </a:extLst>
+          </p:cNvPr>
+          <p:cNvSpPr>
+            <a:spLocks noGrp="1"/>
+          </p:cNvSpPr>
+          <p:nvPr>
+            <p:ph idx="1"/>
+          </p:nvPr>
+        </p:nvSpPr>
+        <p:spPr/>
+        <p:txBody>
+          <a:bodyPr>
+            <a:normAutofit fontScale="92500" lnSpcReduction="20000"/>
+          </a:bodyPr>
+          <a:lstStyle/>
+          <a:p>
+            <a:pPr marL="514350" indent="-514350">
+              <a:buFont typeface="+mj-lt"/>
+              <a:buAutoNum type="arabicPeriod"/>
+            </a:pPr>
+            <a:r>
+              <a:rPr lang="en-US" dirty="0">
+                <a:hlinkClick r:id="rId2"/>
+              </a:rPr>
+              <a:t>https://www.mondaq.com/canada/fin-tech/881170/changes-to-canadian-cryptocurrency-regulations</a:t>
+            </a:r>
+            <a:endParaRPr lang="en-US" dirty="0"/>
+          </a:p>
+          <a:p>
+            <a:pPr marL="514350" indent="-514350">
+              <a:buFont typeface="+mj-lt"/>
+              <a:buAutoNum type="arabicPeriod"/>
+            </a:pPr>
+            <a:r>
+              <a:rPr lang="en-CA" dirty="0"/>
+              <a:t>Mark Weber, Giacomo </a:t>
+            </a:r>
+            <a:r>
+              <a:rPr lang="en-CA" dirty="0" err="1"/>
+              <a:t>Domeniconi</a:t>
+            </a:r>
+            <a:r>
+              <a:rPr lang="en-CA" dirty="0"/>
+              <a:t>, Jie Chen, Daniel Karl I. </a:t>
+            </a:r>
+            <a:r>
+              <a:rPr lang="en-CA" dirty="0" err="1"/>
+              <a:t>Weidele</a:t>
+            </a:r>
+            <a:r>
+              <a:rPr lang="en-CA" dirty="0"/>
+              <a:t>, Claudio </a:t>
+            </a:r>
+            <a:r>
+              <a:rPr lang="en-CA" dirty="0" err="1"/>
+              <a:t>Bellei</a:t>
+            </a:r>
+            <a:r>
+              <a:rPr lang="en-CA" dirty="0"/>
+              <a:t>, Tom Robinson, and Charles E. </a:t>
+            </a:r>
+            <a:r>
+              <a:rPr lang="en-CA" dirty="0" err="1"/>
+              <a:t>Leiserson</a:t>
+            </a:r>
+            <a:r>
+              <a:rPr lang="en-CA" dirty="0"/>
+              <a:t>. 2019. Anti-Money Laundering in Bitcoin: Experimenting with Graph Convolutional Networks for Financial Forensics. In Proceedings of ACM Conference (KDD ’19 Workshop on Anomaly Detection in Finance). ACM, New York, NY, USA, 7 pages</a:t>
+            </a:r>
+          </a:p>
+          <a:p>
+            <a:pPr marL="514350" indent="-514350">
+              <a:buFont typeface="+mj-lt"/>
+              <a:buAutoNum type="arabicPeriod"/>
+            </a:pPr>
+            <a:r>
+              <a:rPr lang="en-CA" dirty="0"/>
+              <a:t>Youssef </a:t>
+            </a:r>
+            <a:r>
+              <a:rPr lang="en-CA" dirty="0" err="1"/>
+              <a:t>Elmougy</a:t>
+            </a:r>
+            <a:r>
+              <a:rPr lang="en-CA" dirty="0"/>
+              <a:t> and Ling Liu. 2023. Demystifying Fraudulent Transactions and Illicit Nodes in the Bitcoin Network for Financial Forensics. In Proceedings of the 29th ACM SIGKDD Conference on Knowledge Discovery and Data Mining (KDD ’23), August 6–10, 2023, Long Beach, CA, USA. ACM, New York, NY, USA, 16 pages. https://</a:t>
+            </a:r>
+            <a:r>
+              <a:rPr lang="en-CA" dirty="0" err="1"/>
+              <a:t>doi.org</a:t>
+            </a:r>
+            <a:r>
+              <a:rPr lang="en-CA" dirty="0"/>
+              <a:t>/10.1145/3580305.3599803</a:t>
+            </a:r>
+            <a:endParaRPr lang="en-US" dirty="0"/>
+          </a:p>
+          <a:p>
+            <a:pPr marL="514350" indent="-514350">
+              <a:buFont typeface="+mj-lt"/>
+              <a:buAutoNum type="arabicPeriod"/>
+            </a:pPr>
+            <a:endParaRPr lang="en-US" dirty="0"/>
+          </a:p>
+        </p:txBody>
+      </p:sp>
+      <p:sp>
+        <p:nvSpPr>
+          <p:cNvPr id="4" name="Slide Number Placeholder 3">
+            <a:extLst>
+              <a:ext uri="{FF2B5EF4-FFF2-40B4-BE49-F238E27FC236}">
+                <a16:creationId xmlns:a16="http://schemas.microsoft.com/office/drawing/2014/main" id="{98A9595F-1174-5D36-5EF9-4AB41E7BC092}"/>
+              </a:ext>
+            </a:extLst>
+          </p:cNvPr>
+          <p:cNvSpPr>
+            <a:spLocks noGrp="1"/>
+          </p:cNvSpPr>
+          <p:nvPr>
+            <p:ph type="sldNum" sz="quarter" idx="12"/>
+          </p:nvPr>
+        </p:nvSpPr>
+        <p:spPr/>
+        <p:txBody>
+          <a:bodyPr/>
+          <a:lstStyle/>
+          <a:p>
+            <a:fld id="{10EC7B44-2E49-1D46-8209-43D5A576A81A}" type="slidenum">
+              <a:rPr lang="en-US" smtClean="0"/>
+              <a:t>12</a:t>
+            </a:fld>
+            <a:endParaRPr lang="en-US"/>
+          </a:p>
+        </p:txBody>
+      </p:sp>
+    </p:spTree>
+    <p:extLst>
+      <p:ext uri="{BB962C8B-B14F-4D97-AF65-F5344CB8AC3E}">
+        <p14:creationId xmlns:p14="http://schemas.microsoft.com/office/powerpoint/2010/main" val="2607984120"/>
       </p:ext>
     </p:extLst>
   </p:cSld>
@@ -3435,7 +4260,7 @@
           <p:cNvPr id="2" name="Title 1">
             <a:extLst>
               <a:ext uri="{FF2B5EF4-FFF2-40B4-BE49-F238E27FC236}">
-                <a16:creationId xmlns:a16="http://schemas.microsoft.com/office/drawing/2014/main" id="{06C8AE01-DDC8-84A5-6494-8D4FF17322D0}"/>
+                <a16:creationId xmlns:a16="http://schemas.microsoft.com/office/drawing/2014/main" id="{A34F63C5-E854-EE27-B4D9-D610A2F1DF14}"/>
               </a:ext>
             </a:extLst>
           </p:cNvPr>
@@ -3453,7 +4278,7 @@
           <a:p>
             <a:r>
               <a:rPr lang="en-US" dirty="0"/>
-              <a:t>Introduction </a:t>
+              <a:t>Introduction – What is bitcoin </a:t>
             </a:r>
           </a:p>
         </p:txBody>
@@ -3463,7 +4288,7 @@
           <p:cNvPr id="3" name="Content Placeholder 2">
             <a:extLst>
               <a:ext uri="{FF2B5EF4-FFF2-40B4-BE49-F238E27FC236}">
-                <a16:creationId xmlns:a16="http://schemas.microsoft.com/office/drawing/2014/main" id="{B9984B49-A392-0F44-8819-7AE9634EA0A7}"/>
+                <a16:creationId xmlns:a16="http://schemas.microsoft.com/office/drawing/2014/main" id="{7BE7807C-FF54-FC9A-8A33-ABEB1C277D73}"/>
               </a:ext>
             </a:extLst>
           </p:cNvPr>
@@ -3474,46 +4299,120 @@
             <p:ph idx="1"/>
           </p:nvPr>
         </p:nvSpPr>
-        <p:spPr/>
-        <p:txBody>
-          <a:bodyPr/>
+        <p:spPr>
+          <a:xfrm>
+            <a:off x="838199" y="1825625"/>
+            <a:ext cx="10677525" cy="4351338"/>
+          </a:xfrm>
+        </p:spPr>
+        <p:txBody>
+          <a:bodyPr>
+            <a:normAutofit/>
+          </a:bodyPr>
           <a:lstStyle/>
           <a:p>
             <a:r>
               <a:rPr lang="en-US" dirty="0"/>
-              <a:t>Bitcoin and cryptocurrency is being rapidly adopting.</a:t>
+              <a:t>A technology (cryptocurrency) created in 2009</a:t>
             </a:r>
           </a:p>
           <a:p>
             <a:r>
               <a:rPr lang="en-US" dirty="0"/>
-              <a:t>With that, criminal activity using the network is also increasing.</a:t>
-            </a:r>
-          </a:p>
-          <a:p>
+              <a:t>Properties:</a:t>
+            </a:r>
+          </a:p>
+          <a:p>
+            <a:pPr marL="914400" lvl="1" indent="-457200">
+              <a:buFont typeface="+mj-lt"/>
+              <a:buAutoNum type="arabicPeriod"/>
+            </a:pPr>
             <a:r>
               <a:rPr lang="en-US" dirty="0"/>
-              <a:t>Bitcoin helps provide financial services that poor individuals do not have access – many more things bitcoin does</a:t>
-            </a:r>
-          </a:p>
-          <a:p>
+              <a:t>Decentralized – Operates without a central authority</a:t>
+            </a:r>
+          </a:p>
+          <a:p>
+            <a:pPr marL="914400" lvl="1" indent="-457200">
+              <a:buFont typeface="+mj-lt"/>
+              <a:buAutoNum type="arabicPeriod"/>
+            </a:pPr>
             <a:r>
               <a:rPr lang="en-US" dirty="0"/>
-              <a:t>To keep bitcoin available is important </a:t>
-            </a:r>
-          </a:p>
-          <a:p>
+              <a:t>Immutability – A confirmed transaction cannot be changed</a:t>
+            </a:r>
+          </a:p>
+          <a:p>
+            <a:pPr marL="914400" lvl="1" indent="-457200">
+              <a:buFont typeface="+mj-lt"/>
+              <a:buAutoNum type="arabicPeriod"/>
+            </a:pPr>
             <a:r>
               <a:rPr lang="en-US" dirty="0"/>
-              <a:t>Can harness the public availability of the open ledger to improve AML efforts</a:t>
-            </a:r>
+              <a:t>Fixed Supply – Will only be 21 million Bitcoins (Deflationary)</a:t>
+            </a:r>
+          </a:p>
+          <a:p>
+            <a:pPr marL="914400" lvl="1" indent="-457200">
+              <a:buFont typeface="+mj-lt"/>
+              <a:buAutoNum type="arabicPeriod"/>
+            </a:pPr>
+            <a:r>
+              <a:rPr lang="en-US" dirty="0"/>
+              <a:t>Global Portability – Can instantaneously send money across the world</a:t>
+            </a:r>
+          </a:p>
+          <a:p>
+            <a:pPr marL="914400" lvl="1" indent="-457200">
+              <a:buFont typeface="+mj-lt"/>
+              <a:buAutoNum type="arabicPeriod"/>
+            </a:pPr>
+            <a:r>
+              <a:rPr lang="en-US" dirty="0"/>
+              <a:t>Pseudonymity – Wallet addresses are public but do not reveal personal information</a:t>
+            </a:r>
+          </a:p>
+          <a:p>
+            <a:pPr marL="0" indent="0">
+              <a:buNone/>
+            </a:pPr>
+            <a:endParaRPr lang="en-US" dirty="0"/>
+          </a:p>
+        </p:txBody>
+      </p:sp>
+      <p:sp>
+        <p:nvSpPr>
+          <p:cNvPr id="4" name="Slide Number Placeholder 3">
+            <a:extLst>
+              <a:ext uri="{FF2B5EF4-FFF2-40B4-BE49-F238E27FC236}">
+                <a16:creationId xmlns:a16="http://schemas.microsoft.com/office/drawing/2014/main" id="{033670F3-11E8-B614-4764-ED0D6F233CC5}"/>
+              </a:ext>
+            </a:extLst>
+          </p:cNvPr>
+          <p:cNvSpPr>
+            <a:spLocks noGrp="1"/>
+          </p:cNvSpPr>
+          <p:nvPr>
+            <p:ph type="sldNum" sz="quarter" idx="12"/>
+          </p:nvPr>
+        </p:nvSpPr>
+        <p:spPr/>
+        <p:txBody>
+          <a:bodyPr/>
+          <a:lstStyle/>
+          <a:p>
+            <a:fld id="{10EC7B44-2E49-1D46-8209-43D5A576A81A}" type="slidenum">
+              <a:rPr lang="en-US" smtClean="0"/>
+              <a:t>2</a:t>
+            </a:fld>
+            <a:endParaRPr lang="en-US"/>
           </a:p>
         </p:txBody>
       </p:sp>
     </p:spTree>
     <p:extLst>
       <p:ext uri="{BB962C8B-B14F-4D97-AF65-F5344CB8AC3E}">
-        <p14:creationId xmlns:p14="http://schemas.microsoft.com/office/powerpoint/2010/main" val="1319560331"/>
+        <p14:creationId xmlns:p14="http://schemas.microsoft.com/office/powerpoint/2010/main" val="3719626219"/>
       </p:ext>
     </p:extLst>
   </p:cSld>
@@ -3545,7 +4444,7 @@
           <p:cNvPr id="2" name="Title 1">
             <a:extLst>
               <a:ext uri="{FF2B5EF4-FFF2-40B4-BE49-F238E27FC236}">
-                <a16:creationId xmlns:a16="http://schemas.microsoft.com/office/drawing/2014/main" id="{D1C6771C-99F5-0750-0292-B01B22A7B1D2}"/>
+                <a16:creationId xmlns:a16="http://schemas.microsoft.com/office/drawing/2014/main" id="{06C8AE01-DDC8-84A5-6494-8D4FF17322D0}"/>
               </a:ext>
             </a:extLst>
           </p:cNvPr>
@@ -3563,7 +4462,7 @@
           <a:p>
             <a:r>
               <a:rPr lang="en-US" dirty="0"/>
-              <a:t>Our Group Contributions</a:t>
+              <a:t>Bitcoin and Criminal Activities</a:t>
             </a:r>
           </a:p>
         </p:txBody>
@@ -3573,7 +4472,7 @@
           <p:cNvPr id="3" name="Content Placeholder 2">
             <a:extLst>
               <a:ext uri="{FF2B5EF4-FFF2-40B4-BE49-F238E27FC236}">
-                <a16:creationId xmlns:a16="http://schemas.microsoft.com/office/drawing/2014/main" id="{8E1FEE4B-E509-AC1C-BCEB-A0960DCB87C8}"/>
+                <a16:creationId xmlns:a16="http://schemas.microsoft.com/office/drawing/2014/main" id="{B9984B49-A392-0F44-8819-7AE9634EA0A7}"/>
               </a:ext>
             </a:extLst>
           </p:cNvPr>
@@ -3589,14 +4488,58 @@
           <a:bodyPr/>
           <a:lstStyle/>
           <a:p>
-            <a:endParaRPr lang="en-US" dirty="0"/>
+            <a:r>
+              <a:rPr lang="en-US" dirty="0"/>
+              <a:t>Pseudonymity and lack of government’s ability to control transactions has attracted criminal activity </a:t>
+            </a:r>
+          </a:p>
+          <a:p>
+            <a:r>
+              <a:rPr lang="en-US" dirty="0"/>
+              <a:t>Bitcoin has been used to facilitate money laundering, funding terrorism,  black market transactions, fraud, and scams.</a:t>
+            </a:r>
+          </a:p>
+          <a:p>
+            <a:r>
+              <a:rPr lang="en-US" dirty="0"/>
+              <a:t>Famous example: Silk Road a marketplace to buy illegal drugs and weapons</a:t>
+            </a:r>
+          </a:p>
+        </p:txBody>
+      </p:sp>
+      <p:sp>
+        <p:nvSpPr>
+          <p:cNvPr id="4" name="Slide Number Placeholder 3">
+            <a:extLst>
+              <a:ext uri="{FF2B5EF4-FFF2-40B4-BE49-F238E27FC236}">
+                <a16:creationId xmlns:a16="http://schemas.microsoft.com/office/drawing/2014/main" id="{486C64B8-7138-9555-EA19-1EE17117634C}"/>
+              </a:ext>
+            </a:extLst>
+          </p:cNvPr>
+          <p:cNvSpPr>
+            <a:spLocks noGrp="1"/>
+          </p:cNvSpPr>
+          <p:nvPr>
+            <p:ph type="sldNum" sz="quarter" idx="12"/>
+          </p:nvPr>
+        </p:nvSpPr>
+        <p:spPr/>
+        <p:txBody>
+          <a:bodyPr/>
+          <a:lstStyle/>
+          <a:p>
+            <a:fld id="{10EC7B44-2E49-1D46-8209-43D5A576A81A}" type="slidenum">
+              <a:rPr lang="en-US" smtClean="0"/>
+              <a:t>3</a:t>
+            </a:fld>
+            <a:endParaRPr lang="en-US"/>
           </a:p>
         </p:txBody>
       </p:sp>
     </p:spTree>
     <p:extLst>
       <p:ext uri="{BB962C8B-B14F-4D97-AF65-F5344CB8AC3E}">
-        <p14:creationId xmlns:p14="http://schemas.microsoft.com/office/powerpoint/2010/main" val="1302980522"/>
+        <p14:creationId xmlns:p14="http://schemas.microsoft.com/office/powerpoint/2010/main" val="1319560331"/>
       </p:ext>
     </p:extLst>
   </p:cSld>
@@ -3628,7 +4571,7 @@
           <p:cNvPr id="2" name="Title 1">
             <a:extLst>
               <a:ext uri="{FF2B5EF4-FFF2-40B4-BE49-F238E27FC236}">
-                <a16:creationId xmlns:a16="http://schemas.microsoft.com/office/drawing/2014/main" id="{99DED637-A2AB-9843-478C-734BC105E29D}"/>
+                <a16:creationId xmlns:a16="http://schemas.microsoft.com/office/drawing/2014/main" id="{3F3C5ABF-706B-4D2E-2B04-4C86DB243248}"/>
               </a:ext>
             </a:extLst>
           </p:cNvPr>
@@ -3646,7 +4589,7 @@
           <a:p>
             <a:r>
               <a:rPr lang="en-US" dirty="0"/>
-              <a:t>Related Work</a:t>
+              <a:t>Identifying Criminals and Exchanges</a:t>
             </a:r>
           </a:p>
         </p:txBody>
@@ -3656,7 +4599,7 @@
           <p:cNvPr id="3" name="Content Placeholder 2">
             <a:extLst>
               <a:ext uri="{FF2B5EF4-FFF2-40B4-BE49-F238E27FC236}">
-                <a16:creationId xmlns:a16="http://schemas.microsoft.com/office/drawing/2014/main" id="{FDD194BA-8E0B-69AB-11DD-344E9AC3514D}"/>
+                <a16:creationId xmlns:a16="http://schemas.microsoft.com/office/drawing/2014/main" id="{0F63089E-F9AE-5D7D-953B-D9CABA422BD8}"/>
               </a:ext>
             </a:extLst>
           </p:cNvPr>
@@ -3670,64 +4613,68 @@
         <p:spPr/>
         <p:txBody>
           <a:bodyPr>
-            <a:normAutofit fontScale="85000" lnSpcReduction="10000"/>
+            <a:normAutofit lnSpcReduction="10000"/>
           </a:bodyPr>
           <a:lstStyle/>
           <a:p>
             <a:r>
-              <a:rPr lang="en-CA" dirty="0"/>
-              <a:t>Anti-Money Laundering in Bitcoin: Experimenting with Graph Convolutional Networks for Financial Forensics</a:t>
-            </a:r>
-          </a:p>
-          <a:p>
-            <a:r>
-              <a:rPr lang="en-CA" dirty="0"/>
-              <a:t>Introduced the Elliptic Dataset (Elliptic is a cryptocurrency intelligence company focused on removing and identifying criminal activity in the </a:t>
-            </a:r>
-            <a:r>
-              <a:rPr lang="en-CA" dirty="0" err="1"/>
-              <a:t>cyrpto</a:t>
-            </a:r>
-            <a:r>
-              <a:rPr lang="en-CA" dirty="0"/>
-              <a:t> ecosystem.</a:t>
-            </a:r>
-          </a:p>
-          <a:p>
-            <a:r>
-              <a:rPr lang="en-CA" dirty="0"/>
-              <a:t>Data is a graph: Node =  Transactions, Edges = bitcoin flow</a:t>
-            </a:r>
-          </a:p>
-          <a:p>
-            <a:r>
-              <a:rPr lang="en-CA" dirty="0"/>
-              <a:t>Their task was to identify each unlabelled Bitcoin transaction as illicit or licit</a:t>
-            </a:r>
-          </a:p>
-          <a:p>
-            <a:r>
-              <a:rPr lang="en-CA" dirty="0"/>
-              <a:t>Used benchmark methods for anomaly detection: Random Forests, Logistic Regression. Then experimented with Graph convolutional Networks</a:t>
-            </a:r>
-          </a:p>
-          <a:p>
-            <a:r>
-              <a:rPr lang="en-CA" dirty="0"/>
-              <a:t>Limitation – classifying transactions, therefore does not specifically determine which address in the transaction is </a:t>
-            </a:r>
-            <a:r>
-              <a:rPr lang="en-CA"/>
-              <a:t>the elicit one</a:t>
-            </a:r>
-            <a:endParaRPr lang="en-US" dirty="0"/>
+              <a:rPr lang="en-US" dirty="0"/>
+              <a:t>Law enforcement and investigators can leverage the public blockchain data to track and monitor criminal activity</a:t>
+            </a:r>
+          </a:p>
+          <a:p>
+            <a:r>
+              <a:rPr lang="en-US" dirty="0"/>
+              <a:t>Canada updated its Anti-money laundering regulations in 2020 to require cryptocurrency exchanges to enforce ”Know Your Customer” requirements. (verify the identity of people who make accounts)</a:t>
+            </a:r>
+          </a:p>
+          <a:p>
+            <a:r>
+              <a:rPr lang="en-US" dirty="0"/>
+              <a:t>When individuals send bitcoin to an exchange, the exchange can see the address it came from</a:t>
+            </a:r>
+          </a:p>
+          <a:p>
+            <a:r>
+              <a:rPr lang="en-US" dirty="0"/>
+              <a:t>It would be useful for exchanges and beneficial for law enforcement to be able to gain information on its users based on that address</a:t>
+            </a:r>
+          </a:p>
+        </p:txBody>
+      </p:sp>
+      <p:sp>
+        <p:nvSpPr>
+          <p:cNvPr id="4" name="Slide Number Placeholder 3">
+            <a:extLst>
+              <a:ext uri="{FF2B5EF4-FFF2-40B4-BE49-F238E27FC236}">
+                <a16:creationId xmlns:a16="http://schemas.microsoft.com/office/drawing/2014/main" id="{B0330F88-CB2F-468E-ED13-C616F3B1059D}"/>
+              </a:ext>
+            </a:extLst>
+          </p:cNvPr>
+          <p:cNvSpPr>
+            <a:spLocks noGrp="1"/>
+          </p:cNvSpPr>
+          <p:nvPr>
+            <p:ph type="sldNum" sz="quarter" idx="12"/>
+          </p:nvPr>
+        </p:nvSpPr>
+        <p:spPr/>
+        <p:txBody>
+          <a:bodyPr/>
+          <a:lstStyle/>
+          <a:p>
+            <a:fld id="{10EC7B44-2E49-1D46-8209-43D5A576A81A}" type="slidenum">
+              <a:rPr lang="en-US" smtClean="0"/>
+              <a:t>4</a:t>
+            </a:fld>
+            <a:endParaRPr lang="en-US"/>
           </a:p>
         </p:txBody>
       </p:sp>
     </p:spTree>
     <p:extLst>
       <p:ext uri="{BB962C8B-B14F-4D97-AF65-F5344CB8AC3E}">
-        <p14:creationId xmlns:p14="http://schemas.microsoft.com/office/powerpoint/2010/main" val="2749761213"/>
+        <p14:creationId xmlns:p14="http://schemas.microsoft.com/office/powerpoint/2010/main" val="4155713304"/>
       </p:ext>
     </p:extLst>
   </p:cSld>
@@ -3759,7 +4706,7 @@
           <p:cNvPr id="2" name="Title 1">
             <a:extLst>
               <a:ext uri="{FF2B5EF4-FFF2-40B4-BE49-F238E27FC236}">
-                <a16:creationId xmlns:a16="http://schemas.microsoft.com/office/drawing/2014/main" id="{35CECB3B-4623-573C-2F09-AE2BC7CBFE9D}"/>
+                <a16:creationId xmlns:a16="http://schemas.microsoft.com/office/drawing/2014/main" id="{D1C6771C-99F5-0750-0292-B01B22A7B1D2}"/>
               </a:ext>
             </a:extLst>
           </p:cNvPr>
@@ -3777,7 +4724,7 @@
           <a:p>
             <a:r>
               <a:rPr lang="en-US" dirty="0"/>
-              <a:t>Related Work Continued</a:t>
+              <a:t>Our Group Contributions</a:t>
             </a:r>
           </a:p>
         </p:txBody>
@@ -3787,7 +4734,7 @@
           <p:cNvPr id="3" name="Content Placeholder 2">
             <a:extLst>
               <a:ext uri="{FF2B5EF4-FFF2-40B4-BE49-F238E27FC236}">
-                <a16:creationId xmlns:a16="http://schemas.microsoft.com/office/drawing/2014/main" id="{1ED1AB1C-0ADA-4AC7-FA92-660EF8F8D4A8}"/>
+                <a16:creationId xmlns:a16="http://schemas.microsoft.com/office/drawing/2014/main" id="{8E1FEE4B-E509-AC1C-BCEB-A0960DCB87C8}"/>
               </a:ext>
             </a:extLst>
           </p:cNvPr>
@@ -3800,17 +4747,69 @@
         </p:nvSpPr>
         <p:spPr/>
         <p:txBody>
-          <a:bodyPr/>
-          <a:lstStyle/>
-          <a:p>
-            <a:endParaRPr lang="en-US" dirty="0"/>
+          <a:bodyPr>
+            <a:normAutofit/>
+          </a:bodyPr>
+          <a:lstStyle/>
+          <a:p>
+            <a:r>
+              <a:rPr lang="en-US" dirty="0"/>
+              <a:t>Our goal is to create a model that can predict the illicit behaviour of a bitcoin address</a:t>
+            </a:r>
+          </a:p>
+          <a:p>
+            <a:r>
+              <a:rPr lang="en-US" dirty="0"/>
+              <a:t>Inputted an address and its features, the model will predict whether an address is either illicit (involved in criminal activity) or licit (not involved in suspicious transactions)</a:t>
+            </a:r>
+          </a:p>
+          <a:p>
+            <a:r>
+              <a:rPr lang="en-US" dirty="0"/>
+              <a:t>This model could then be used by exchanges to gain information on its users to better inform customer access to their services</a:t>
+            </a:r>
+          </a:p>
+          <a:p>
+            <a:r>
+              <a:rPr lang="en-US" dirty="0"/>
+              <a:t>The exchange could share this information with law enforcement to assist in investigation and significantly improve the regulation of cryptocurrency</a:t>
+            </a:r>
+          </a:p>
+        </p:txBody>
+      </p:sp>
+      <p:sp>
+        <p:nvSpPr>
+          <p:cNvPr id="4" name="Slide Number Placeholder 3">
+            <a:extLst>
+              <a:ext uri="{FF2B5EF4-FFF2-40B4-BE49-F238E27FC236}">
+                <a16:creationId xmlns:a16="http://schemas.microsoft.com/office/drawing/2014/main" id="{8048987D-B5B5-CE61-97E5-775F970858DD}"/>
+              </a:ext>
+            </a:extLst>
+          </p:cNvPr>
+          <p:cNvSpPr>
+            <a:spLocks noGrp="1"/>
+          </p:cNvSpPr>
+          <p:nvPr>
+            <p:ph type="sldNum" sz="quarter" idx="12"/>
+          </p:nvPr>
+        </p:nvSpPr>
+        <p:spPr/>
+        <p:txBody>
+          <a:bodyPr/>
+          <a:lstStyle/>
+          <a:p>
+            <a:fld id="{10EC7B44-2E49-1D46-8209-43D5A576A81A}" type="slidenum">
+              <a:rPr lang="en-US" smtClean="0"/>
+              <a:t>5</a:t>
+            </a:fld>
+            <a:endParaRPr lang="en-US"/>
           </a:p>
         </p:txBody>
       </p:sp>
     </p:spTree>
     <p:extLst>
       <p:ext uri="{BB962C8B-B14F-4D97-AF65-F5344CB8AC3E}">
-        <p14:creationId xmlns:p14="http://schemas.microsoft.com/office/powerpoint/2010/main" val="577761698"/>
+        <p14:creationId xmlns:p14="http://schemas.microsoft.com/office/powerpoint/2010/main" val="1302980522"/>
       </p:ext>
     </p:extLst>
   </p:cSld>
@@ -3842,7 +4841,7 @@
           <p:cNvPr id="2" name="Title 1">
             <a:extLst>
               <a:ext uri="{FF2B5EF4-FFF2-40B4-BE49-F238E27FC236}">
-                <a16:creationId xmlns:a16="http://schemas.microsoft.com/office/drawing/2014/main" id="{B26CB207-F10E-EB8E-D4CD-022D6979C40F}"/>
+                <a16:creationId xmlns:a16="http://schemas.microsoft.com/office/drawing/2014/main" id="{99DED637-A2AB-9843-478C-734BC105E29D}"/>
               </a:ext>
             </a:extLst>
           </p:cNvPr>
@@ -3860,7 +4859,7 @@
           <a:p>
             <a:r>
               <a:rPr lang="en-US" dirty="0"/>
-              <a:t>Methodology</a:t>
+              <a:t>Related Work</a:t>
             </a:r>
           </a:p>
         </p:txBody>
@@ -3870,7 +4869,7 @@
           <p:cNvPr id="3" name="Content Placeholder 2">
             <a:extLst>
               <a:ext uri="{FF2B5EF4-FFF2-40B4-BE49-F238E27FC236}">
-                <a16:creationId xmlns:a16="http://schemas.microsoft.com/office/drawing/2014/main" id="{43D09597-800F-A90B-60FF-461A6CD67926}"/>
+                <a16:creationId xmlns:a16="http://schemas.microsoft.com/office/drawing/2014/main" id="{FDD194BA-8E0B-69AB-11DD-344E9AC3514D}"/>
               </a:ext>
             </a:extLst>
           </p:cNvPr>
@@ -3883,9 +4882,186 @@
         </p:nvSpPr>
         <p:spPr/>
         <p:txBody>
-          <a:bodyPr/>
-          <a:lstStyle/>
-          <a:p>
+          <a:bodyPr>
+            <a:normAutofit fontScale="92500" lnSpcReduction="10000"/>
+          </a:bodyPr>
+          <a:lstStyle/>
+          <a:p>
+            <a:r>
+              <a:rPr lang="en-CA" sz="2400" b="0" i="0" dirty="0">
+                <a:solidFill>
+                  <a:srgbClr val="141B1F"/>
+                </a:solidFill>
+                <a:effectLst/>
+              </a:rPr>
+              <a:t>Elliptic (a blockchain analytics </a:t>
+            </a:r>
+            <a:r>
+              <a:rPr lang="en-CA" sz="2400" dirty="0">
+                <a:solidFill>
+                  <a:srgbClr val="141B1F"/>
+                </a:solidFill>
+              </a:rPr>
+              <a:t>company) and </a:t>
+            </a:r>
+            <a:r>
+              <a:rPr lang="en-CA" sz="2400" b="0" i="0" dirty="0">
+                <a:solidFill>
+                  <a:srgbClr val="141B1F"/>
+                </a:solidFill>
+                <a:effectLst/>
+              </a:rPr>
+              <a:t>researchers from the MIT-IBM Watson AI Lab introduced the </a:t>
+            </a:r>
+            <a:r>
+              <a:rPr lang="en-CA" sz="2400" b="0" i="1" dirty="0">
+                <a:solidFill>
+                  <a:srgbClr val="141B1F"/>
+                </a:solidFill>
+                <a:effectLst/>
+              </a:rPr>
+              <a:t>Elliptic Dataset, </a:t>
+            </a:r>
+            <a:r>
+              <a:rPr lang="en-CA" sz="2400" b="0" i="0" dirty="0">
+                <a:solidFill>
+                  <a:srgbClr val="141B1F"/>
+                </a:solidFill>
+                <a:effectLst/>
+              </a:rPr>
+              <a:t>the largest publicly available labelled dataset for cryptocurrency </a:t>
+            </a:r>
+            <a:r>
+              <a:rPr lang="en-CA" sz="2400" dirty="0">
+                <a:solidFill>
+                  <a:srgbClr val="141B1F"/>
+                </a:solidFill>
+              </a:rPr>
+              <a:t>with the paper </a:t>
+            </a:r>
+            <a:r>
+              <a:rPr lang="en-US" sz="2400" dirty="0"/>
+              <a:t>[2] they published in 2019.</a:t>
+            </a:r>
+            <a:endParaRPr lang="en-CA" sz="2400" b="0" i="0" dirty="0">
+              <a:solidFill>
+                <a:srgbClr val="141B1F"/>
+              </a:solidFill>
+              <a:effectLst/>
+            </a:endParaRPr>
+          </a:p>
+          <a:p>
+            <a:r>
+              <a:rPr lang="en-CA" sz="2400" dirty="0">
+                <a:solidFill>
+                  <a:srgbClr val="141B1F"/>
+                </a:solidFill>
+              </a:rPr>
+              <a:t>The </a:t>
+            </a:r>
+            <a:r>
+              <a:rPr lang="en-CA" sz="2400" i="1" dirty="0">
+                <a:solidFill>
+                  <a:srgbClr val="141B1F"/>
+                </a:solidFill>
+              </a:rPr>
+              <a:t>Elliptic Dataset </a:t>
+            </a:r>
+            <a:r>
+              <a:rPr lang="en-CA" sz="2400" dirty="0">
+                <a:solidFill>
+                  <a:srgbClr val="141B1F"/>
+                </a:solidFill>
+              </a:rPr>
+              <a:t>is a time series graph representing over 200,000 bitcoin transactions and the flow of bitcoin between these transactions.</a:t>
+            </a:r>
+          </a:p>
+          <a:p>
+            <a:pPr lvl="1">
+              <a:buFont typeface="Courier New" panose="02070309020205020404" pitchFamily="49" charset="0"/>
+              <a:buChar char="o"/>
+            </a:pPr>
+            <a:r>
+              <a:rPr lang="en-CA" sz="2400" dirty="0"/>
+              <a:t>Node =  Transactions </a:t>
+            </a:r>
+          </a:p>
+          <a:p>
+            <a:pPr lvl="1">
+              <a:buFont typeface="Courier New" panose="02070309020205020404" pitchFamily="49" charset="0"/>
+              <a:buChar char="o"/>
+            </a:pPr>
+            <a:r>
+              <a:rPr lang="en-CA" sz="2400" dirty="0"/>
+              <a:t>Edges = bitcoin flow</a:t>
+            </a:r>
+            <a:endParaRPr lang="en-CA" sz="2000" dirty="0">
+              <a:solidFill>
+                <a:srgbClr val="141B1F"/>
+              </a:solidFill>
+            </a:endParaRPr>
+          </a:p>
+          <a:p>
+            <a:r>
+              <a:rPr lang="en-CA" sz="2400" dirty="0">
+                <a:solidFill>
+                  <a:srgbClr val="141B1F"/>
+                </a:solidFill>
+              </a:rPr>
+              <a:t>This data was collected over a two-week duration and the temporal information is recorded.</a:t>
+            </a:r>
+          </a:p>
+          <a:p>
+            <a:r>
+              <a:rPr lang="en-CA" sz="2400" dirty="0">
+                <a:solidFill>
+                  <a:srgbClr val="141B1F"/>
+                </a:solidFill>
+              </a:rPr>
+              <a:t>Approximately 10% of the labelled dataset are illicit transactions.</a:t>
+            </a:r>
+          </a:p>
+          <a:p>
+            <a:r>
+              <a:rPr lang="en-US" sz="2400" dirty="0"/>
+              <a:t>Weber at al. [2] explored many machine learning methods to predict whether an unlabeled transaction is illicit or licit. These methods include Logistic regression, Random forests, Multilayer </a:t>
+            </a:r>
+            <a:r>
+              <a:rPr lang="en-US" sz="2400" dirty="0" err="1"/>
+              <a:t>Preception</a:t>
+            </a:r>
+            <a:r>
+              <a:rPr lang="en-US" sz="2400" dirty="0"/>
+              <a:t>, and graph convolution networks.</a:t>
+            </a:r>
+          </a:p>
+        </p:txBody>
+      </p:sp>
+      <p:sp>
+        <p:nvSpPr>
+          <p:cNvPr id="4" name="Slide Number Placeholder 3">
+            <a:extLst>
+              <a:ext uri="{FF2B5EF4-FFF2-40B4-BE49-F238E27FC236}">
+                <a16:creationId xmlns:a16="http://schemas.microsoft.com/office/drawing/2014/main" id="{1C71F7A2-C31A-3071-7620-AF3D814231FE}"/>
+              </a:ext>
+            </a:extLst>
+          </p:cNvPr>
+          <p:cNvSpPr>
+            <a:spLocks noGrp="1"/>
+          </p:cNvSpPr>
+          <p:nvPr>
+            <p:ph type="sldNum" sz="quarter" idx="12"/>
+          </p:nvPr>
+        </p:nvSpPr>
+        <p:spPr/>
+        <p:txBody>
+          <a:bodyPr/>
+          <a:lstStyle/>
+          <a:p>
+            <a:fld id="{10EC7B44-2E49-1D46-8209-43D5A576A81A}" type="slidenum">
+              <a:rPr lang="en-US" smtClean="0"/>
+              <a:t>6</a:t>
+            </a:fld>
             <a:endParaRPr lang="en-US"/>
           </a:p>
         </p:txBody>
@@ -3893,7 +5069,7 @@
     </p:spTree>
     <p:extLst>
       <p:ext uri="{BB962C8B-B14F-4D97-AF65-F5344CB8AC3E}">
-        <p14:creationId xmlns:p14="http://schemas.microsoft.com/office/powerpoint/2010/main" val="3850029626"/>
+        <p14:creationId xmlns:p14="http://schemas.microsoft.com/office/powerpoint/2010/main" val="2749761213"/>
       </p:ext>
     </p:extLst>
   </p:cSld>
@@ -3908,7 +5084,13 @@
   <p:cSld>
     <p:spTree>
       <p:nvGrpSpPr>
-        <p:cNvPr id="1" name=""/>
+        <p:cNvPr id="1" name="">
+          <a:extLst>
+            <a:ext uri="{FF2B5EF4-FFF2-40B4-BE49-F238E27FC236}">
+              <a16:creationId xmlns:a16="http://schemas.microsoft.com/office/drawing/2014/main" id="{CF42BC16-624E-CD2C-B763-8DD96EE081F8}"/>
+            </a:ext>
+          </a:extLst>
+        </p:cNvPr>
         <p:cNvGrpSpPr/>
         <p:nvPr/>
       </p:nvGrpSpPr>
@@ -3925,7 +5107,7 @@
           <p:cNvPr id="2" name="Title 1">
             <a:extLst>
               <a:ext uri="{FF2B5EF4-FFF2-40B4-BE49-F238E27FC236}">
-                <a16:creationId xmlns:a16="http://schemas.microsoft.com/office/drawing/2014/main" id="{1EADBE7F-2BBD-5619-0D28-94B5B0DBA281}"/>
+                <a16:creationId xmlns:a16="http://schemas.microsoft.com/office/drawing/2014/main" id="{B2B5092D-BCE2-342A-6D6D-951AF720E438}"/>
               </a:ext>
             </a:extLst>
           </p:cNvPr>
@@ -3943,7 +5125,7 @@
           <a:p>
             <a:r>
               <a:rPr lang="en-US" dirty="0"/>
-              <a:t>Preliminary Results</a:t>
+              <a:t>Related Work Continued</a:t>
             </a:r>
           </a:p>
         </p:txBody>
@@ -3953,7 +5135,7 @@
           <p:cNvPr id="3" name="Content Placeholder 2">
             <a:extLst>
               <a:ext uri="{FF2B5EF4-FFF2-40B4-BE49-F238E27FC236}">
-                <a16:creationId xmlns:a16="http://schemas.microsoft.com/office/drawing/2014/main" id="{D6033AF6-8C05-06FA-4591-19FE28365DB7}"/>
+                <a16:creationId xmlns:a16="http://schemas.microsoft.com/office/drawing/2014/main" id="{5C220E78-1B26-B74C-ED47-0C1955F4C79E}"/>
               </a:ext>
             </a:extLst>
           </p:cNvPr>
@@ -3966,9 +5148,106 @@
         </p:nvSpPr>
         <p:spPr/>
         <p:txBody>
-          <a:bodyPr/>
-          <a:lstStyle/>
-          <a:p>
+          <a:bodyPr>
+            <a:normAutofit fontScale="85000" lnSpcReduction="20000"/>
+          </a:bodyPr>
+          <a:lstStyle/>
+          <a:p>
+            <a:r>
+              <a:rPr lang="en-CA" dirty="0"/>
+              <a:t>Youssef </a:t>
+            </a:r>
+            <a:r>
+              <a:rPr lang="en-CA" dirty="0" err="1"/>
+              <a:t>Elmougy</a:t>
+            </a:r>
+            <a:r>
+              <a:rPr lang="en-CA" dirty="0"/>
+              <a:t> and Ling Lui from Georgia Tec expanded on the </a:t>
+            </a:r>
+            <a:r>
+              <a:rPr lang="en-CA" i="1" dirty="0"/>
+              <a:t>Elliptic Dataset </a:t>
+            </a:r>
+            <a:r>
+              <a:rPr lang="en-CA" dirty="0"/>
+              <a:t>by contributing the </a:t>
+            </a:r>
+            <a:r>
+              <a:rPr lang="en-CA" i="1" dirty="0"/>
+              <a:t>Elliptic++ Dataset </a:t>
+            </a:r>
+            <a:r>
+              <a:rPr lang="en-CA" dirty="0"/>
+              <a:t>in 2023 [3].</a:t>
+            </a:r>
+          </a:p>
+          <a:p>
+            <a:r>
+              <a:rPr lang="en-CA" dirty="0"/>
+              <a:t>Utilized a Bitcoin blockchain scrapping pipeline gain additional information on the transactions in the </a:t>
+            </a:r>
+            <a:r>
+              <a:rPr lang="en-CA" i="1" dirty="0"/>
+              <a:t>Elliptic Dataset.</a:t>
+            </a:r>
+          </a:p>
+          <a:p>
+            <a:r>
+              <a:rPr lang="en-CA" dirty="0"/>
+              <a:t>Specifically, they identified the Bitcoin addresses involved in the transactions and obtained information from the public ledger on an address level.</a:t>
+            </a:r>
+          </a:p>
+          <a:p>
+            <a:r>
+              <a:rPr lang="en-CA" dirty="0"/>
+              <a:t>They also gained additional features on a transaction level and used them in attempt to improve the models developed by </a:t>
+            </a:r>
+            <a:r>
+              <a:rPr lang="en-US" sz="2800" dirty="0"/>
+              <a:t>Weber at al. [2].</a:t>
+            </a:r>
+          </a:p>
+          <a:p>
+            <a:r>
+              <a:rPr lang="en-CA" dirty="0"/>
+              <a:t>In addition, they used a clustering method to combine bitcoin address that could potentially represent a user. Then trained models to predict the illicit behaviour on a address cluster level.</a:t>
+            </a:r>
+          </a:p>
+          <a:p>
+            <a:r>
+              <a:rPr lang="en-CA" dirty="0"/>
+              <a:t>Limitation: previous work focuses on classifying transactions. This does not enable exchanges to classify customers based on the bitcoin address used to fund their account. </a:t>
+            </a:r>
+            <a:endParaRPr lang="en-US" dirty="0"/>
+          </a:p>
+        </p:txBody>
+      </p:sp>
+      <p:sp>
+        <p:nvSpPr>
+          <p:cNvPr id="4" name="Slide Number Placeholder 3">
+            <a:extLst>
+              <a:ext uri="{FF2B5EF4-FFF2-40B4-BE49-F238E27FC236}">
+                <a16:creationId xmlns:a16="http://schemas.microsoft.com/office/drawing/2014/main" id="{398F55F5-56A8-8611-7477-044BF8295E58}"/>
+              </a:ext>
+            </a:extLst>
+          </p:cNvPr>
+          <p:cNvSpPr>
+            <a:spLocks noGrp="1"/>
+          </p:cNvSpPr>
+          <p:nvPr>
+            <p:ph type="sldNum" sz="quarter" idx="12"/>
+          </p:nvPr>
+        </p:nvSpPr>
+        <p:spPr/>
+        <p:txBody>
+          <a:bodyPr/>
+          <a:lstStyle/>
+          <a:p>
+            <a:fld id="{10EC7B44-2E49-1D46-8209-43D5A576A81A}" type="slidenum">
+              <a:rPr lang="en-US" smtClean="0"/>
+              <a:t>7</a:t>
+            </a:fld>
             <a:endParaRPr lang="en-US"/>
           </a:p>
         </p:txBody>
@@ -3976,7 +5255,7 @@
     </p:spTree>
     <p:extLst>
       <p:ext uri="{BB962C8B-B14F-4D97-AF65-F5344CB8AC3E}">
-        <p14:creationId xmlns:p14="http://schemas.microsoft.com/office/powerpoint/2010/main" val="1856578987"/>
+        <p14:creationId xmlns:p14="http://schemas.microsoft.com/office/powerpoint/2010/main" val="2496609860"/>
       </p:ext>
     </p:extLst>
   </p:cSld>
@@ -4008,7 +5287,7 @@
           <p:cNvPr id="2" name="Title 1">
             <a:extLst>
               <a:ext uri="{FF2B5EF4-FFF2-40B4-BE49-F238E27FC236}">
-                <a16:creationId xmlns:a16="http://schemas.microsoft.com/office/drawing/2014/main" id="{9726F2FF-EE8D-AE52-6D7C-A9E80093F56C}"/>
+                <a16:creationId xmlns:a16="http://schemas.microsoft.com/office/drawing/2014/main" id="{B26CB207-F10E-EB8E-D4CD-022D6979C40F}"/>
               </a:ext>
             </a:extLst>
           </p:cNvPr>
@@ -4026,7 +5305,7 @@
           <a:p>
             <a:r>
               <a:rPr lang="en-US" dirty="0"/>
-              <a:t>Challenges, Limitations</a:t>
+              <a:t>Methodology</a:t>
             </a:r>
           </a:p>
         </p:txBody>
@@ -4036,7 +5315,7 @@
           <p:cNvPr id="3" name="Content Placeholder 2">
             <a:extLst>
               <a:ext uri="{FF2B5EF4-FFF2-40B4-BE49-F238E27FC236}">
-                <a16:creationId xmlns:a16="http://schemas.microsoft.com/office/drawing/2014/main" id="{EA915A5B-E8DC-4EA2-67E3-901472A432C5}"/>
+                <a16:creationId xmlns:a16="http://schemas.microsoft.com/office/drawing/2014/main" id="{43D09597-800F-A90B-60FF-461A6CD67926}"/>
               </a:ext>
             </a:extLst>
           </p:cNvPr>
@@ -4054,15 +5333,179 @@
           <a:p>
             <a:r>
               <a:rPr lang="en-US" dirty="0"/>
-              <a:t>Only a tiny portion of the Bitcoin blockchain and about </a:t>
-            </a:r>
+              <a:t>Our task is to classify bitcoin addresses as illicit or licit</a:t>
+            </a:r>
+          </a:p>
+          <a:p>
+            <a:r>
+              <a:rPr lang="en-US" dirty="0"/>
+              <a:t>We harness the Bitcoin blockchain information on addresses from </a:t>
+            </a:r>
+            <a:r>
+              <a:rPr lang="en-CA" i="1" dirty="0"/>
+              <a:t>Elliptic++ Dataset</a:t>
+            </a:r>
+            <a:endParaRPr lang="en-US" i="1" dirty="0"/>
+          </a:p>
+          <a:p>
+            <a:r>
+              <a:rPr lang="en-US" dirty="0"/>
+              <a:t>We explore many different algorithms and compare them to determine the best performing one</a:t>
+            </a:r>
+          </a:p>
+          <a:p>
+            <a:pPr marL="0" indent="0">
+              <a:buNone/>
+            </a:pPr>
+            <a:endParaRPr lang="en-US" dirty="0"/>
+          </a:p>
+        </p:txBody>
+      </p:sp>
+      <p:sp>
+        <p:nvSpPr>
+          <p:cNvPr id="4" name="Slide Number Placeholder 3">
+            <a:extLst>
+              <a:ext uri="{FF2B5EF4-FFF2-40B4-BE49-F238E27FC236}">
+                <a16:creationId xmlns:a16="http://schemas.microsoft.com/office/drawing/2014/main" id="{2D3FF29F-3C9E-4401-F423-5275ECB3A099}"/>
+              </a:ext>
+            </a:extLst>
+          </p:cNvPr>
+          <p:cNvSpPr>
+            <a:spLocks noGrp="1"/>
+          </p:cNvSpPr>
+          <p:nvPr>
+            <p:ph type="sldNum" sz="quarter" idx="12"/>
+          </p:nvPr>
+        </p:nvSpPr>
+        <p:spPr/>
+        <p:txBody>
+          <a:bodyPr/>
+          <a:lstStyle/>
+          <a:p>
+            <a:fld id="{10EC7B44-2E49-1D46-8209-43D5A576A81A}" type="slidenum">
+              <a:rPr lang="en-US" smtClean="0"/>
+              <a:t>8</a:t>
+            </a:fld>
+            <a:endParaRPr lang="en-US"/>
           </a:p>
         </p:txBody>
       </p:sp>
     </p:spTree>
     <p:extLst>
       <p:ext uri="{BB962C8B-B14F-4D97-AF65-F5344CB8AC3E}">
-        <p14:creationId xmlns:p14="http://schemas.microsoft.com/office/powerpoint/2010/main" val="2362090297"/>
+        <p14:creationId xmlns:p14="http://schemas.microsoft.com/office/powerpoint/2010/main" val="3850029626"/>
+      </p:ext>
+    </p:extLst>
+  </p:cSld>
+  <p:clrMapOvr>
+    <a:masterClrMapping/>
+  </p:clrMapOvr>
+</p:sld>
+</file>
+
+<file path=ppt/slides/slide9.xml><?xml version="1.0" encoding="utf-8"?>
+<p:sld xmlns:a="http://schemas.openxmlformats.org/drawingml/2006/main" xmlns:r="http://schemas.openxmlformats.org/officeDocument/2006/relationships" xmlns:p="http://schemas.openxmlformats.org/presentationml/2006/main">
+  <p:cSld>
+    <p:spTree>
+      <p:nvGrpSpPr>
+        <p:cNvPr id="1" name=""/>
+        <p:cNvGrpSpPr/>
+        <p:nvPr/>
+      </p:nvGrpSpPr>
+      <p:grpSpPr>
+        <a:xfrm>
+          <a:off x="0" y="0"/>
+          <a:ext cx="0" cy="0"/>
+          <a:chOff x="0" y="0"/>
+          <a:chExt cx="0" cy="0"/>
+        </a:xfrm>
+      </p:grpSpPr>
+      <p:sp>
+        <p:nvSpPr>
+          <p:cNvPr id="2" name="Title 1">
+            <a:extLst>
+              <a:ext uri="{FF2B5EF4-FFF2-40B4-BE49-F238E27FC236}">
+                <a16:creationId xmlns:a16="http://schemas.microsoft.com/office/drawing/2014/main" id="{47CD7667-010F-42DE-32E1-F426F04A292A}"/>
+              </a:ext>
+            </a:extLst>
+          </p:cNvPr>
+          <p:cNvSpPr>
+            <a:spLocks noGrp="1"/>
+          </p:cNvSpPr>
+          <p:nvPr>
+            <p:ph type="title"/>
+          </p:nvPr>
+        </p:nvSpPr>
+        <p:spPr/>
+        <p:txBody>
+          <a:bodyPr/>
+          <a:lstStyle/>
+          <a:p>
+            <a:r>
+              <a:rPr lang="en-US" dirty="0"/>
+              <a:t>Data Preparation</a:t>
+            </a:r>
+          </a:p>
+        </p:txBody>
+      </p:sp>
+      <p:sp>
+        <p:nvSpPr>
+          <p:cNvPr id="3" name="Content Placeholder 2">
+            <a:extLst>
+              <a:ext uri="{FF2B5EF4-FFF2-40B4-BE49-F238E27FC236}">
+                <a16:creationId xmlns:a16="http://schemas.microsoft.com/office/drawing/2014/main" id="{E7E372F2-A61C-2A3C-6BBA-D2E08E0EEB80}"/>
+              </a:ext>
+            </a:extLst>
+          </p:cNvPr>
+          <p:cNvSpPr>
+            <a:spLocks noGrp="1"/>
+          </p:cNvSpPr>
+          <p:nvPr>
+            <p:ph idx="1"/>
+          </p:nvPr>
+        </p:nvSpPr>
+        <p:spPr/>
+        <p:txBody>
+          <a:bodyPr/>
+          <a:lstStyle/>
+          <a:p>
+            <a:endParaRPr lang="en-US"/>
+          </a:p>
+        </p:txBody>
+      </p:sp>
+      <p:sp>
+        <p:nvSpPr>
+          <p:cNvPr id="4" name="Slide Number Placeholder 3">
+            <a:extLst>
+              <a:ext uri="{FF2B5EF4-FFF2-40B4-BE49-F238E27FC236}">
+                <a16:creationId xmlns:a16="http://schemas.microsoft.com/office/drawing/2014/main" id="{67324E74-1445-C863-F1A2-84EDE0E58413}"/>
+              </a:ext>
+            </a:extLst>
+          </p:cNvPr>
+          <p:cNvSpPr>
+            <a:spLocks noGrp="1"/>
+          </p:cNvSpPr>
+          <p:nvPr>
+            <p:ph type="sldNum" sz="quarter" idx="12"/>
+          </p:nvPr>
+        </p:nvSpPr>
+        <p:spPr/>
+        <p:txBody>
+          <a:bodyPr/>
+          <a:lstStyle/>
+          <a:p>
+            <a:fld id="{10EC7B44-2E49-1D46-8209-43D5A576A81A}" type="slidenum">
+              <a:rPr lang="en-US" smtClean="0"/>
+              <a:t>9</a:t>
+            </a:fld>
+            <a:endParaRPr lang="en-US"/>
+          </a:p>
+        </p:txBody>
+      </p:sp>
+    </p:spTree>
+    <p:extLst>
+      <p:ext uri="{BB962C8B-B14F-4D97-AF65-F5344CB8AC3E}">
+        <p14:creationId xmlns:p14="http://schemas.microsoft.com/office/powerpoint/2010/main" val="2137088968"/>
       </p:ext>
     </p:extLst>
   </p:cSld>
@@ -4385,4 +5828,319 @@
     </a:ext>
   </a:extLst>
 </a:theme>
+</file>
+
+<file path=ppt/theme/theme2.xml><?xml version="1.0" encoding="utf-8"?>
+<a:theme xmlns:a="http://schemas.openxmlformats.org/drawingml/2006/main" name="Office Theme">
+  <a:themeElements>
+    <a:clrScheme name="Office">
+      <a:dk1>
+        <a:sysClr val="windowText" lastClr="000000"/>
+      </a:dk1>
+      <a:lt1>
+        <a:sysClr val="window" lastClr="FFFFFF"/>
+      </a:lt1>
+      <a:dk2>
+        <a:srgbClr val="0E2841"/>
+      </a:dk2>
+      <a:lt2>
+        <a:srgbClr val="E8E8E8"/>
+      </a:lt2>
+      <a:accent1>
+        <a:srgbClr val="156082"/>
+      </a:accent1>
+      <a:accent2>
+        <a:srgbClr val="E97132"/>
+      </a:accent2>
+      <a:accent3>
+        <a:srgbClr val="196B24"/>
+      </a:accent3>
+      <a:accent4>
+        <a:srgbClr val="0F9ED5"/>
+      </a:accent4>
+      <a:accent5>
+        <a:srgbClr val="A02B93"/>
+      </a:accent5>
+      <a:accent6>
+        <a:srgbClr val="4EA72E"/>
+      </a:accent6>
+      <a:hlink>
+        <a:srgbClr val="467886"/>
+      </a:hlink>
+      <a:folHlink>
+        <a:srgbClr val="96607D"/>
+      </a:folHlink>
+    </a:clrScheme>
+    <a:fontScheme name="Office">
+      <a:majorFont>
+        <a:latin typeface="Aptos Display" panose="02110004020202020204"/>
+        <a:ea typeface=""/>
+        <a:cs typeface=""/>
+        <a:font script="Jpan" typeface="游ゴシック Light"/>
+        <a:font script="Hang" typeface="맑은 고딕"/>
+        <a:font script="Hans" typeface="等线 Light"/>
+        <a:font script="Hant" typeface="新細明體"/>
+        <a:font script="Arab" typeface="Times New Roman"/>
+        <a:font script="Hebr" typeface="Times New Roman"/>
+        <a:font script="Thai" typeface="Angsana New"/>
+        <a:font script="Ethi" typeface="Nyala"/>
+        <a:font script="Beng" typeface="Vrinda"/>
+        <a:font script="Gujr" typeface="Shruti"/>
+        <a:font script="Khmr" typeface="MoolBoran"/>
+        <a:font script="Knda" typeface="Tunga"/>
+        <a:font script="Guru" typeface="Raavi"/>
+        <a:font script="Cans" typeface="Euphemia"/>
+        <a:font script="Cher" typeface="Plantagenet Cherokee"/>
+        <a:font script="Yiii" typeface="Microsoft Yi Baiti"/>
+        <a:font script="Tibt" typeface="Microsoft Himalaya"/>
+        <a:font script="Thaa" typeface="MV Boli"/>
+        <a:font script="Deva" typeface="Mangal"/>
+        <a:font script="Telu" typeface="Gautami"/>
+        <a:font script="Taml" typeface="Latha"/>
+        <a:font script="Syrc" typeface="Estrangelo Edessa"/>
+        <a:font script="Orya" typeface="Kalinga"/>
+        <a:font script="Mlym" typeface="Kartika"/>
+        <a:font script="Laoo" typeface="DokChampa"/>
+        <a:font script="Sinh" typeface="Iskoola Pota"/>
+        <a:font script="Mong" typeface="Mongolian Baiti"/>
+        <a:font script="Viet" typeface="Times New Roman"/>
+        <a:font script="Uigh" typeface="Microsoft Uighur"/>
+        <a:font script="Geor" typeface="Sylfaen"/>
+        <a:font script="Armn" typeface="Arial"/>
+        <a:font script="Bugi" typeface="Leelawadee UI"/>
+        <a:font script="Bopo" typeface="Microsoft JhengHei"/>
+        <a:font script="Java" typeface="Javanese Text"/>
+        <a:font script="Lisu" typeface="Segoe UI"/>
+        <a:font script="Mymr" typeface="Myanmar Text"/>
+        <a:font script="Nkoo" typeface="Ebrima"/>
+        <a:font script="Olck" typeface="Nirmala UI"/>
+        <a:font script="Osma" typeface="Ebrima"/>
+        <a:font script="Phag" typeface="Phagspa"/>
+        <a:font script="Syrn" typeface="Estrangelo Edessa"/>
+        <a:font script="Syrj" typeface="Estrangelo Edessa"/>
+        <a:font script="Syre" typeface="Estrangelo Edessa"/>
+        <a:font script="Sora" typeface="Nirmala UI"/>
+        <a:font script="Tale" typeface="Microsoft Tai Le"/>
+        <a:font script="Talu" typeface="Microsoft New Tai Lue"/>
+        <a:font script="Tfng" typeface="Ebrima"/>
+      </a:majorFont>
+      <a:minorFont>
+        <a:latin typeface="Aptos" panose="02110004020202020204"/>
+        <a:ea typeface=""/>
+        <a:cs typeface=""/>
+        <a:font script="Jpan" typeface="游ゴシック"/>
+        <a:font script="Hang" typeface="맑은 고딕"/>
+        <a:font script="Hans" typeface="等线"/>
+        <a:font script="Hant" typeface="新細明體"/>
+        <a:font script="Arab" typeface="Arial"/>
+        <a:font script="Hebr" typeface="Arial"/>
+        <a:font script="Thai" typeface="Cordia New"/>
+        <a:font script="Ethi" typeface="Nyala"/>
+        <a:font script="Beng" typeface="Vrinda"/>
+        <a:font script="Gujr" typeface="Shruti"/>
+        <a:font script="Khmr" typeface="DaunPenh"/>
+        <a:font script="Knda" typeface="Tunga"/>
+        <a:font script="Guru" typeface="Raavi"/>
+        <a:font script="Cans" typeface="Euphemia"/>
+        <a:font script="Cher" typeface="Plantagenet Cherokee"/>
+        <a:font script="Yiii" typeface="Microsoft Yi Baiti"/>
+        <a:font script="Tibt" typeface="Microsoft Himalaya"/>
+        <a:font script="Thaa" typeface="MV Boli"/>
+        <a:font script="Deva" typeface="Mangal"/>
+        <a:font script="Telu" typeface="Gautami"/>
+        <a:font script="Taml" typeface="Latha"/>
+        <a:font script="Syrc" typeface="Estrangelo Edessa"/>
+        <a:font script="Orya" typeface="Kalinga"/>
+        <a:font script="Mlym" typeface="Kartika"/>
+        <a:font script="Laoo" typeface="DokChampa"/>
+        <a:font script="Sinh" typeface="Iskoola Pota"/>
+        <a:font script="Mong" typeface="Mongolian Baiti"/>
+        <a:font script="Viet" typeface="Arial"/>
+        <a:font script="Uigh" typeface="Microsoft Uighur"/>
+        <a:font script="Geor" typeface="Sylfaen"/>
+        <a:font script="Armn" typeface="Arial"/>
+        <a:font script="Bugi" typeface="Leelawadee UI"/>
+        <a:font script="Bopo" typeface="Microsoft JhengHei"/>
+        <a:font script="Java" typeface="Javanese Text"/>
+        <a:font script="Lisu" typeface="Segoe UI"/>
+        <a:font script="Mymr" typeface="Myanmar Text"/>
+        <a:font script="Nkoo" typeface="Ebrima"/>
+        <a:font script="Olck" typeface="Nirmala UI"/>
+        <a:font script="Osma" typeface="Ebrima"/>
+        <a:font script="Phag" typeface="Phagspa"/>
+        <a:font script="Syrn" typeface="Estrangelo Edessa"/>
+        <a:font script="Syrj" typeface="Estrangelo Edessa"/>
+        <a:font script="Syre" typeface="Estrangelo Edessa"/>
+        <a:font script="Sora" typeface="Nirmala UI"/>
+        <a:font script="Tale" typeface="Microsoft Tai Le"/>
+        <a:font script="Talu" typeface="Microsoft New Tai Lue"/>
+        <a:font script="Tfng" typeface="Ebrima"/>
+      </a:minorFont>
+    </a:fontScheme>
+    <a:fmtScheme name="Office">
+      <a:fillStyleLst>
+        <a:solidFill>
+          <a:schemeClr val="phClr"/>
+        </a:solidFill>
+        <a:gradFill rotWithShape="1">
+          <a:gsLst>
+            <a:gs pos="0">
+              <a:schemeClr val="phClr">
+                <a:lumMod val="110000"/>
+                <a:satMod val="105000"/>
+                <a:tint val="67000"/>
+              </a:schemeClr>
+            </a:gs>
+            <a:gs pos="50000">
+              <a:schemeClr val="phClr">
+                <a:lumMod val="105000"/>
+                <a:satMod val="103000"/>
+                <a:tint val="73000"/>
+              </a:schemeClr>
+            </a:gs>
+            <a:gs pos="100000">
+              <a:schemeClr val="phClr">
+                <a:lumMod val="105000"/>
+                <a:satMod val="109000"/>
+                <a:tint val="81000"/>
+              </a:schemeClr>
+            </a:gs>
+          </a:gsLst>
+          <a:lin ang="5400000" scaled="0"/>
+        </a:gradFill>
+        <a:gradFill rotWithShape="1">
+          <a:gsLst>
+            <a:gs pos="0">
+              <a:schemeClr val="phClr">
+                <a:satMod val="103000"/>
+                <a:lumMod val="102000"/>
+                <a:tint val="94000"/>
+              </a:schemeClr>
+            </a:gs>
+            <a:gs pos="50000">
+              <a:schemeClr val="phClr">
+                <a:satMod val="110000"/>
+                <a:lumMod val="100000"/>
+                <a:shade val="100000"/>
+              </a:schemeClr>
+            </a:gs>
+            <a:gs pos="100000">
+              <a:schemeClr val="phClr">
+                <a:lumMod val="99000"/>
+                <a:satMod val="120000"/>
+                <a:shade val="78000"/>
+              </a:schemeClr>
+            </a:gs>
+          </a:gsLst>
+          <a:lin ang="5400000" scaled="0"/>
+        </a:gradFill>
+      </a:fillStyleLst>
+      <a:lnStyleLst>
+        <a:ln w="12700" cap="flat" cmpd="sng" algn="ctr">
+          <a:solidFill>
+            <a:schemeClr val="phClr"/>
+          </a:solidFill>
+          <a:prstDash val="solid"/>
+          <a:miter lim="800000"/>
+        </a:ln>
+        <a:ln w="19050" cap="flat" cmpd="sng" algn="ctr">
+          <a:solidFill>
+            <a:schemeClr val="phClr"/>
+          </a:solidFill>
+          <a:prstDash val="solid"/>
+          <a:miter lim="800000"/>
+        </a:ln>
+        <a:ln w="25400" cap="flat" cmpd="sng" algn="ctr">
+          <a:solidFill>
+            <a:schemeClr val="phClr"/>
+          </a:solidFill>
+          <a:prstDash val="solid"/>
+          <a:miter lim="800000"/>
+        </a:ln>
+      </a:lnStyleLst>
+      <a:effectStyleLst>
+        <a:effectStyle>
+          <a:effectLst/>
+        </a:effectStyle>
+        <a:effectStyle>
+          <a:effectLst/>
+        </a:effectStyle>
+        <a:effectStyle>
+          <a:effectLst>
+            <a:outerShdw blurRad="57150" dist="19050" dir="5400000" algn="ctr" rotWithShape="0">
+              <a:srgbClr val="000000">
+                <a:alpha val="63000"/>
+              </a:srgbClr>
+            </a:outerShdw>
+          </a:effectLst>
+        </a:effectStyle>
+      </a:effectStyleLst>
+      <a:bgFillStyleLst>
+        <a:solidFill>
+          <a:schemeClr val="phClr"/>
+        </a:solidFill>
+        <a:solidFill>
+          <a:schemeClr val="phClr">
+            <a:tint val="95000"/>
+            <a:satMod val="170000"/>
+          </a:schemeClr>
+        </a:solidFill>
+        <a:gradFill rotWithShape="1">
+          <a:gsLst>
+            <a:gs pos="0">
+              <a:schemeClr val="phClr">
+                <a:tint val="93000"/>
+                <a:satMod val="150000"/>
+                <a:shade val="98000"/>
+                <a:lumMod val="102000"/>
+              </a:schemeClr>
+            </a:gs>
+            <a:gs pos="50000">
+              <a:schemeClr val="phClr">
+                <a:tint val="98000"/>
+                <a:satMod val="130000"/>
+                <a:shade val="90000"/>
+                <a:lumMod val="103000"/>
+              </a:schemeClr>
+            </a:gs>
+            <a:gs pos="100000">
+              <a:schemeClr val="phClr">
+                <a:shade val="63000"/>
+                <a:satMod val="120000"/>
+              </a:schemeClr>
+            </a:gs>
+          </a:gsLst>
+          <a:lin ang="5400000" scaled="0"/>
+        </a:gradFill>
+      </a:bgFillStyleLst>
+    </a:fmtScheme>
+  </a:themeElements>
+  <a:objectDefaults>
+    <a:lnDef>
+      <a:spPr/>
+      <a:bodyPr/>
+      <a:lstStyle/>
+      <a:style>
+        <a:lnRef idx="2">
+          <a:schemeClr val="accent1"/>
+        </a:lnRef>
+        <a:fillRef idx="0">
+          <a:schemeClr val="accent1"/>
+        </a:fillRef>
+        <a:effectRef idx="1">
+          <a:schemeClr val="accent1"/>
+        </a:effectRef>
+        <a:fontRef idx="minor">
+          <a:schemeClr val="tx1"/>
+        </a:fontRef>
+      </a:style>
+    </a:lnDef>
+  </a:objectDefaults>
+  <a:extraClrSchemeLst/>
+  <a:extLst>
+    <a:ext uri="{05A4C25C-085E-4340-85A3-A5531E510DB2}">
+      <thm15:themeFamily xmlns:thm15="http://schemas.microsoft.com/office/thememl/2012/main" name="Office Theme" id="{2E142A2C-CD16-42D6-873A-C26D2A0506FA}" vid="{1BDDFF52-6CD6-40A5-AB3C-68EB2F1E4D0A}"/>
+    </a:ext>
+  </a:extLst>
+</a:theme>
 </file>
--- a/Nov28_presentation.pptx
+++ b/Nov28_presentation.pptx
@@ -5350,7 +5350,7 @@
           <a:p>
             <a:r>
               <a:rPr lang="en-US" dirty="0"/>
-              <a:t>We explore many different algorithms and compare them to determine the best performing one</a:t>
+              <a:t>We explore many different algorithms …list them… and compare them to determine the best performing one</a:t>
             </a:r>
           </a:p>
           <a:p>
@@ -5469,7 +5469,7 @@
           <a:bodyPr/>
           <a:lstStyle/>
           <a:p>
-            <a:endParaRPr lang="en-US"/>
+            <a:endParaRPr lang="en-US" dirty="0"/>
           </a:p>
         </p:txBody>
       </p:sp>
